--- a/open_data_platform_hackathon/osdp_deck.pptx
+++ b/open_data_platform_hackathon/osdp_deck.pptx
@@ -5,10 +5,10 @@
     <p:sldMasterId id="2147483648" r:id="rId1"/>
   </p:sldMasterIdLst>
   <p:notesMasterIdLst>
-    <p:notesMasterId r:id="rId15"/>
+    <p:notesMasterId r:id="rId21"/>
   </p:notesMasterIdLst>
   <p:handoutMasterIdLst>
-    <p:handoutMasterId r:id="rId16"/>
+    <p:handoutMasterId r:id="rId22"/>
   </p:handoutMasterIdLst>
   <p:sldIdLst>
     <p:sldId id="338" r:id="rId2"/>
@@ -18,17 +18,23 @@
     <p:sldId id="343" r:id="rId6"/>
     <p:sldId id="344" r:id="rId7"/>
     <p:sldId id="346" r:id="rId8"/>
-    <p:sldId id="348" r:id="rId9"/>
-    <p:sldId id="340" r:id="rId10"/>
-    <p:sldId id="345" r:id="rId11"/>
-    <p:sldId id="341" r:id="rId12"/>
-    <p:sldId id="347" r:id="rId13"/>
-    <p:sldId id="349" r:id="rId14"/>
+    <p:sldId id="353" r:id="rId9"/>
+    <p:sldId id="354" r:id="rId10"/>
+    <p:sldId id="355" r:id="rId11"/>
+    <p:sldId id="356" r:id="rId12"/>
+    <p:sldId id="357" r:id="rId13"/>
+    <p:sldId id="358" r:id="rId14"/>
+    <p:sldId id="359" r:id="rId15"/>
+    <p:sldId id="360" r:id="rId16"/>
+    <p:sldId id="345" r:id="rId17"/>
+    <p:sldId id="341" r:id="rId18"/>
+    <p:sldId id="347" r:id="rId19"/>
+    <p:sldId id="349" r:id="rId20"/>
   </p:sldIdLst>
   <p:sldSz cx="9144000" cy="6858000" type="screen4x3"/>
   <p:notesSz cx="6858000" cy="9236075"/>
   <p:custDataLst>
-    <p:tags r:id="rId17"/>
+    <p:tags r:id="rId23"/>
   </p:custDataLst>
   <p:defaultTextStyle>
     <a:defPPr>
@@ -8072,7 +8078,1831 @@
               <a:rPr lang="en-US" altLang="en-US" dirty="0">
                 <a:ea typeface="ヒラギノ角ゴ Pro W3"/>
               </a:rPr>
-              <a:t> – Change over time</a:t>
+              <a:t> - Lead</a:t>
+            </a:r>
+            <a:endParaRPr altLang="en-US" dirty="0">
+              <a:ea typeface="ヒラギノ角ゴ Pro W3"/>
+            </a:endParaRPr>
+          </a:p>
+        </p:txBody>
+      </p:sp>
+      <p:sp>
+        <p:nvSpPr>
+          <p:cNvPr id="48130" name="Slide Number Placeholder 2">
+            <a:extLst>
+              <a:ext uri="{FF2B5EF4-FFF2-40B4-BE49-F238E27FC236}">
+                <a16:creationId xmlns:a16="http://schemas.microsoft.com/office/drawing/2014/main" id="{1D7CB16A-2E06-F400-7C74-DEC447021028}"/>
+              </a:ext>
+            </a:extLst>
+          </p:cNvPr>
+          <p:cNvSpPr>
+            <a:spLocks noGrp="1" noChangeArrowheads="1"/>
+          </p:cNvSpPr>
+          <p:nvPr>
+            <p:ph type="sldNum" sz="quarter" idx="10"/>
+          </p:nvPr>
+        </p:nvSpPr>
+        <p:spPr bwMode="auto">
+          <a:noFill/>
+          <a:extLst>
+            <a:ext uri="{909E8E84-426E-40DD-AFC4-6F175D3DCCD1}">
+              <a14:hiddenFill xmlns:a14="http://schemas.microsoft.com/office/drawing/2010/main">
+                <a:solidFill>
+                  <a:srgbClr val="FFFFFF"/>
+                </a:solidFill>
+              </a14:hiddenFill>
+            </a:ext>
+            <a:ext uri="{91240B29-F687-4F45-9708-019B960494DF}">
+              <a14:hiddenLine xmlns:a14="http://schemas.microsoft.com/office/drawing/2010/main" w="9525">
+                <a:solidFill>
+                  <a:srgbClr val="000000"/>
+                </a:solidFill>
+                <a:miter lim="800000"/>
+                <a:headEnd/>
+                <a:tailEnd/>
+              </a14:hiddenLine>
+            </a:ext>
+          </a:extLst>
+        </p:spPr>
+        <p:txBody>
+          <a:bodyPr/>
+          <a:lstStyle>
+            <a:lvl1pPr>
+              <a:defRPr>
+                <a:solidFill>
+                  <a:schemeClr val="tx1"/>
+                </a:solidFill>
+                <a:latin typeface="Calibri" panose="020F0502020204030204" pitchFamily="34" charset="0"/>
+                <a:ea typeface="ヒラギノ角ゴ Pro W3"/>
+                <a:cs typeface="ヒラギノ角ゴ Pro W3"/>
+              </a:defRPr>
+            </a:lvl1pPr>
+            <a:lvl2pPr marL="742950" indent="-285750">
+              <a:defRPr>
+                <a:solidFill>
+                  <a:schemeClr val="tx1"/>
+                </a:solidFill>
+                <a:latin typeface="Calibri" panose="020F0502020204030204" pitchFamily="34" charset="0"/>
+                <a:ea typeface="ヒラギノ角ゴ Pro W3"/>
+                <a:cs typeface="ヒラギノ角ゴ Pro W3"/>
+              </a:defRPr>
+            </a:lvl2pPr>
+            <a:lvl3pPr marL="1143000" indent="-228600">
+              <a:defRPr>
+                <a:solidFill>
+                  <a:schemeClr val="tx1"/>
+                </a:solidFill>
+                <a:latin typeface="Calibri" panose="020F0502020204030204" pitchFamily="34" charset="0"/>
+                <a:ea typeface="ヒラギノ角ゴ Pro W3"/>
+                <a:cs typeface="ヒラギノ角ゴ Pro W3"/>
+              </a:defRPr>
+            </a:lvl3pPr>
+            <a:lvl4pPr marL="1600200" indent="-228600">
+              <a:defRPr>
+                <a:solidFill>
+                  <a:schemeClr val="tx1"/>
+                </a:solidFill>
+                <a:latin typeface="Calibri" panose="020F0502020204030204" pitchFamily="34" charset="0"/>
+                <a:ea typeface="ヒラギノ角ゴ Pro W3"/>
+                <a:cs typeface="ヒラギノ角ゴ Pro W3"/>
+              </a:defRPr>
+            </a:lvl4pPr>
+            <a:lvl5pPr marL="2057400" indent="-228600">
+              <a:defRPr>
+                <a:solidFill>
+                  <a:schemeClr val="tx1"/>
+                </a:solidFill>
+                <a:latin typeface="Calibri" panose="020F0502020204030204" pitchFamily="34" charset="0"/>
+                <a:ea typeface="ヒラギノ角ゴ Pro W3"/>
+                <a:cs typeface="ヒラギノ角ゴ Pro W3"/>
+              </a:defRPr>
+            </a:lvl5pPr>
+            <a:lvl6pPr marL="2514600" indent="-228600" defTabSz="457200" eaLnBrk="0" fontAlgn="base" hangingPunct="0">
+              <a:spcBef>
+                <a:spcPct val="0"/>
+              </a:spcBef>
+              <a:spcAft>
+                <a:spcPct val="0"/>
+              </a:spcAft>
+              <a:defRPr>
+                <a:solidFill>
+                  <a:schemeClr val="tx1"/>
+                </a:solidFill>
+                <a:latin typeface="Calibri" panose="020F0502020204030204" pitchFamily="34" charset="0"/>
+                <a:ea typeface="ヒラギノ角ゴ Pro W3"/>
+                <a:cs typeface="ヒラギノ角ゴ Pro W3"/>
+              </a:defRPr>
+            </a:lvl6pPr>
+            <a:lvl7pPr marL="2971800" indent="-228600" defTabSz="457200" eaLnBrk="0" fontAlgn="base" hangingPunct="0">
+              <a:spcBef>
+                <a:spcPct val="0"/>
+              </a:spcBef>
+              <a:spcAft>
+                <a:spcPct val="0"/>
+              </a:spcAft>
+              <a:defRPr>
+                <a:solidFill>
+                  <a:schemeClr val="tx1"/>
+                </a:solidFill>
+                <a:latin typeface="Calibri" panose="020F0502020204030204" pitchFamily="34" charset="0"/>
+                <a:ea typeface="ヒラギノ角ゴ Pro W3"/>
+                <a:cs typeface="ヒラギノ角ゴ Pro W3"/>
+              </a:defRPr>
+            </a:lvl7pPr>
+            <a:lvl8pPr marL="3429000" indent="-228600" defTabSz="457200" eaLnBrk="0" fontAlgn="base" hangingPunct="0">
+              <a:spcBef>
+                <a:spcPct val="0"/>
+              </a:spcBef>
+              <a:spcAft>
+                <a:spcPct val="0"/>
+              </a:spcAft>
+              <a:defRPr>
+                <a:solidFill>
+                  <a:schemeClr val="tx1"/>
+                </a:solidFill>
+                <a:latin typeface="Calibri" panose="020F0502020204030204" pitchFamily="34" charset="0"/>
+                <a:ea typeface="ヒラギノ角ゴ Pro W3"/>
+                <a:cs typeface="ヒラギノ角ゴ Pro W3"/>
+              </a:defRPr>
+            </a:lvl8pPr>
+            <a:lvl9pPr marL="3886200" indent="-228600" defTabSz="457200" eaLnBrk="0" fontAlgn="base" hangingPunct="0">
+              <a:spcBef>
+                <a:spcPct val="0"/>
+              </a:spcBef>
+              <a:spcAft>
+                <a:spcPct val="0"/>
+              </a:spcAft>
+              <a:defRPr>
+                <a:solidFill>
+                  <a:schemeClr val="tx1"/>
+                </a:solidFill>
+                <a:latin typeface="Calibri" panose="020F0502020204030204" pitchFamily="34" charset="0"/>
+                <a:ea typeface="ヒラギノ角ゴ Pro W3"/>
+                <a:cs typeface="ヒラギノ角ゴ Pro W3"/>
+              </a:defRPr>
+            </a:lvl9pPr>
+          </a:lstStyle>
+          <a:p>
+            <a:fld id="{A10D5A4E-2C25-F547-97A4-6E430B52C48D}" type="slidenum">
+              <a:rPr lang="en-US" altLang="en-US">
+                <a:solidFill>
+                  <a:srgbClr val="7F7F7F"/>
+                </a:solidFill>
+                <a:latin typeface="Century Gothic" panose="020B0502020202020204" pitchFamily="34" charset="0"/>
+              </a:rPr>
+              <a:pPr/>
+              <a:t>10</a:t>
+            </a:fld>
+            <a:endParaRPr lang="en-US" altLang="en-US">
+              <a:solidFill>
+                <a:srgbClr val="7F7F7F"/>
+              </a:solidFill>
+              <a:latin typeface="Century Gothic" panose="020B0502020202020204" pitchFamily="34" charset="0"/>
+            </a:endParaRPr>
+          </a:p>
+        </p:txBody>
+      </p:sp>
+      <p:sp>
+        <p:nvSpPr>
+          <p:cNvPr id="3" name="Content Placeholder 2">
+            <a:extLst>
+              <a:ext uri="{FF2B5EF4-FFF2-40B4-BE49-F238E27FC236}">
+                <a16:creationId xmlns:a16="http://schemas.microsoft.com/office/drawing/2014/main" id="{EEEEC3C2-6B3A-7972-ECDC-EB406525614D}"/>
+              </a:ext>
+            </a:extLst>
+          </p:cNvPr>
+          <p:cNvSpPr>
+            <a:spLocks noGrp="1"/>
+          </p:cNvSpPr>
+          <p:nvPr>
+            <p:ph sz="quarter" idx="4"/>
+          </p:nvPr>
+        </p:nvSpPr>
+        <p:spPr>
+          <a:xfrm>
+            <a:off x="6493267" y="1479479"/>
+            <a:ext cx="2193533" cy="4646684"/>
+          </a:xfrm>
+        </p:spPr>
+        <p:txBody>
+          <a:bodyPr/>
+          <a:lstStyle/>
+          <a:p>
+            <a:endParaRPr lang="en-US" dirty="0"/>
+          </a:p>
+        </p:txBody>
+      </p:sp>
+      <p:pic>
+        <p:nvPicPr>
+          <p:cNvPr id="5" name="Content Placeholder 4">
+            <a:extLst>
+              <a:ext uri="{FF2B5EF4-FFF2-40B4-BE49-F238E27FC236}">
+                <a16:creationId xmlns:a16="http://schemas.microsoft.com/office/drawing/2014/main" id="{5DAC61B8-E2AD-0EE5-A8C4-C43178136CE4}"/>
+              </a:ext>
+            </a:extLst>
+          </p:cNvPr>
+          <p:cNvPicPr>
+            <a:picLocks noGrp="1" noChangeAspect="1"/>
+          </p:cNvPicPr>
+          <p:nvPr>
+            <p:ph sz="half" idx="2"/>
+          </p:nvPr>
+        </p:nvPicPr>
+        <p:blipFill>
+          <a:blip r:embed="rId2"/>
+          <a:stretch>
+            <a:fillRect/>
+          </a:stretch>
+        </p:blipFill>
+        <p:spPr>
+          <a:xfrm>
+            <a:off x="457199" y="1403256"/>
+            <a:ext cx="5748392" cy="4360266"/>
+          </a:xfrm>
+        </p:spPr>
+      </p:pic>
+    </p:spTree>
+    <p:extLst>
+      <p:ext uri="{BB962C8B-B14F-4D97-AF65-F5344CB8AC3E}">
+        <p14:creationId xmlns:p14="http://schemas.microsoft.com/office/powerpoint/2010/main" val="3885269526"/>
+      </p:ext>
+    </p:extLst>
+  </p:cSld>
+  <p:clrMapOvr>
+    <a:masterClrMapping/>
+  </p:clrMapOvr>
+</p:sld>
+</file>
+
+<file path=ppt/slides/slide11.xml><?xml version="1.0" encoding="utf-8"?>
+<p:sld xmlns:a="http://schemas.openxmlformats.org/drawingml/2006/main" xmlns:r="http://schemas.openxmlformats.org/officeDocument/2006/relationships" xmlns:p="http://schemas.openxmlformats.org/presentationml/2006/main">
+  <p:cSld>
+    <p:spTree>
+      <p:nvGrpSpPr>
+        <p:cNvPr id="1" name=""/>
+        <p:cNvGrpSpPr/>
+        <p:nvPr/>
+      </p:nvGrpSpPr>
+      <p:grpSpPr>
+        <a:xfrm>
+          <a:off x="0" y="0"/>
+          <a:ext cx="0" cy="0"/>
+          <a:chOff x="0" y="0"/>
+          <a:chExt cx="0" cy="0"/>
+        </a:xfrm>
+      </p:grpSpPr>
+      <p:sp>
+        <p:nvSpPr>
+          <p:cNvPr id="48129" name="Title 1">
+            <a:extLst>
+              <a:ext uri="{FF2B5EF4-FFF2-40B4-BE49-F238E27FC236}">
+                <a16:creationId xmlns:a16="http://schemas.microsoft.com/office/drawing/2014/main" id="{E51A7E9B-D3A4-6BA4-A099-2DE46AFD1A20}"/>
+              </a:ext>
+            </a:extLst>
+          </p:cNvPr>
+          <p:cNvSpPr>
+            <a:spLocks noGrp="1"/>
+          </p:cNvSpPr>
+          <p:nvPr>
+            <p:ph type="title"/>
+          </p:nvPr>
+        </p:nvSpPr>
+        <p:spPr/>
+        <p:txBody>
+          <a:bodyPr/>
+          <a:lstStyle/>
+          <a:p>
+            <a:r>
+              <a:rPr altLang="en-US" dirty="0">
+                <a:ea typeface="ヒラギノ角ゴ Pro W3"/>
+              </a:rPr>
+              <a:t>Analysis</a:t>
+            </a:r>
+            <a:r>
+              <a:rPr lang="en-US" altLang="en-US" dirty="0">
+                <a:ea typeface="ヒラギノ角ゴ Pro W3"/>
+              </a:rPr>
+              <a:t> - Lead</a:t>
+            </a:r>
+            <a:endParaRPr altLang="en-US" dirty="0">
+              <a:ea typeface="ヒラギノ角ゴ Pro W3"/>
+            </a:endParaRPr>
+          </a:p>
+        </p:txBody>
+      </p:sp>
+      <p:sp>
+        <p:nvSpPr>
+          <p:cNvPr id="48130" name="Slide Number Placeholder 2">
+            <a:extLst>
+              <a:ext uri="{FF2B5EF4-FFF2-40B4-BE49-F238E27FC236}">
+                <a16:creationId xmlns:a16="http://schemas.microsoft.com/office/drawing/2014/main" id="{1D7CB16A-2E06-F400-7C74-DEC447021028}"/>
+              </a:ext>
+            </a:extLst>
+          </p:cNvPr>
+          <p:cNvSpPr>
+            <a:spLocks noGrp="1" noChangeArrowheads="1"/>
+          </p:cNvSpPr>
+          <p:nvPr>
+            <p:ph type="sldNum" sz="quarter" idx="10"/>
+          </p:nvPr>
+        </p:nvSpPr>
+        <p:spPr bwMode="auto">
+          <a:noFill/>
+          <a:extLst>
+            <a:ext uri="{909E8E84-426E-40DD-AFC4-6F175D3DCCD1}">
+              <a14:hiddenFill xmlns:a14="http://schemas.microsoft.com/office/drawing/2010/main">
+                <a:solidFill>
+                  <a:srgbClr val="FFFFFF"/>
+                </a:solidFill>
+              </a14:hiddenFill>
+            </a:ext>
+            <a:ext uri="{91240B29-F687-4F45-9708-019B960494DF}">
+              <a14:hiddenLine xmlns:a14="http://schemas.microsoft.com/office/drawing/2010/main" w="9525">
+                <a:solidFill>
+                  <a:srgbClr val="000000"/>
+                </a:solidFill>
+                <a:miter lim="800000"/>
+                <a:headEnd/>
+                <a:tailEnd/>
+              </a14:hiddenLine>
+            </a:ext>
+          </a:extLst>
+        </p:spPr>
+        <p:txBody>
+          <a:bodyPr/>
+          <a:lstStyle>
+            <a:lvl1pPr>
+              <a:defRPr>
+                <a:solidFill>
+                  <a:schemeClr val="tx1"/>
+                </a:solidFill>
+                <a:latin typeface="Calibri" panose="020F0502020204030204" pitchFamily="34" charset="0"/>
+                <a:ea typeface="ヒラギノ角ゴ Pro W3"/>
+                <a:cs typeface="ヒラギノ角ゴ Pro W3"/>
+              </a:defRPr>
+            </a:lvl1pPr>
+            <a:lvl2pPr marL="742950" indent="-285750">
+              <a:defRPr>
+                <a:solidFill>
+                  <a:schemeClr val="tx1"/>
+                </a:solidFill>
+                <a:latin typeface="Calibri" panose="020F0502020204030204" pitchFamily="34" charset="0"/>
+                <a:ea typeface="ヒラギノ角ゴ Pro W3"/>
+                <a:cs typeface="ヒラギノ角ゴ Pro W3"/>
+              </a:defRPr>
+            </a:lvl2pPr>
+            <a:lvl3pPr marL="1143000" indent="-228600">
+              <a:defRPr>
+                <a:solidFill>
+                  <a:schemeClr val="tx1"/>
+                </a:solidFill>
+                <a:latin typeface="Calibri" panose="020F0502020204030204" pitchFamily="34" charset="0"/>
+                <a:ea typeface="ヒラギノ角ゴ Pro W3"/>
+                <a:cs typeface="ヒラギノ角ゴ Pro W3"/>
+              </a:defRPr>
+            </a:lvl3pPr>
+            <a:lvl4pPr marL="1600200" indent="-228600">
+              <a:defRPr>
+                <a:solidFill>
+                  <a:schemeClr val="tx1"/>
+                </a:solidFill>
+                <a:latin typeface="Calibri" panose="020F0502020204030204" pitchFamily="34" charset="0"/>
+                <a:ea typeface="ヒラギノ角ゴ Pro W3"/>
+                <a:cs typeface="ヒラギノ角ゴ Pro W3"/>
+              </a:defRPr>
+            </a:lvl4pPr>
+            <a:lvl5pPr marL="2057400" indent="-228600">
+              <a:defRPr>
+                <a:solidFill>
+                  <a:schemeClr val="tx1"/>
+                </a:solidFill>
+                <a:latin typeface="Calibri" panose="020F0502020204030204" pitchFamily="34" charset="0"/>
+                <a:ea typeface="ヒラギノ角ゴ Pro W3"/>
+                <a:cs typeface="ヒラギノ角ゴ Pro W3"/>
+              </a:defRPr>
+            </a:lvl5pPr>
+            <a:lvl6pPr marL="2514600" indent="-228600" defTabSz="457200" eaLnBrk="0" fontAlgn="base" hangingPunct="0">
+              <a:spcBef>
+                <a:spcPct val="0"/>
+              </a:spcBef>
+              <a:spcAft>
+                <a:spcPct val="0"/>
+              </a:spcAft>
+              <a:defRPr>
+                <a:solidFill>
+                  <a:schemeClr val="tx1"/>
+                </a:solidFill>
+                <a:latin typeface="Calibri" panose="020F0502020204030204" pitchFamily="34" charset="0"/>
+                <a:ea typeface="ヒラギノ角ゴ Pro W3"/>
+                <a:cs typeface="ヒラギノ角ゴ Pro W3"/>
+              </a:defRPr>
+            </a:lvl6pPr>
+            <a:lvl7pPr marL="2971800" indent="-228600" defTabSz="457200" eaLnBrk="0" fontAlgn="base" hangingPunct="0">
+              <a:spcBef>
+                <a:spcPct val="0"/>
+              </a:spcBef>
+              <a:spcAft>
+                <a:spcPct val="0"/>
+              </a:spcAft>
+              <a:defRPr>
+                <a:solidFill>
+                  <a:schemeClr val="tx1"/>
+                </a:solidFill>
+                <a:latin typeface="Calibri" panose="020F0502020204030204" pitchFamily="34" charset="0"/>
+                <a:ea typeface="ヒラギノ角ゴ Pro W3"/>
+                <a:cs typeface="ヒラギノ角ゴ Pro W3"/>
+              </a:defRPr>
+            </a:lvl7pPr>
+            <a:lvl8pPr marL="3429000" indent="-228600" defTabSz="457200" eaLnBrk="0" fontAlgn="base" hangingPunct="0">
+              <a:spcBef>
+                <a:spcPct val="0"/>
+              </a:spcBef>
+              <a:spcAft>
+                <a:spcPct val="0"/>
+              </a:spcAft>
+              <a:defRPr>
+                <a:solidFill>
+                  <a:schemeClr val="tx1"/>
+                </a:solidFill>
+                <a:latin typeface="Calibri" panose="020F0502020204030204" pitchFamily="34" charset="0"/>
+                <a:ea typeface="ヒラギノ角ゴ Pro W3"/>
+                <a:cs typeface="ヒラギノ角ゴ Pro W3"/>
+              </a:defRPr>
+            </a:lvl8pPr>
+            <a:lvl9pPr marL="3886200" indent="-228600" defTabSz="457200" eaLnBrk="0" fontAlgn="base" hangingPunct="0">
+              <a:spcBef>
+                <a:spcPct val="0"/>
+              </a:spcBef>
+              <a:spcAft>
+                <a:spcPct val="0"/>
+              </a:spcAft>
+              <a:defRPr>
+                <a:solidFill>
+                  <a:schemeClr val="tx1"/>
+                </a:solidFill>
+                <a:latin typeface="Calibri" panose="020F0502020204030204" pitchFamily="34" charset="0"/>
+                <a:ea typeface="ヒラギノ角ゴ Pro W3"/>
+                <a:cs typeface="ヒラギノ角ゴ Pro W3"/>
+              </a:defRPr>
+            </a:lvl9pPr>
+          </a:lstStyle>
+          <a:p>
+            <a:fld id="{A10D5A4E-2C25-F547-97A4-6E430B52C48D}" type="slidenum">
+              <a:rPr lang="en-US" altLang="en-US">
+                <a:solidFill>
+                  <a:srgbClr val="7F7F7F"/>
+                </a:solidFill>
+                <a:latin typeface="Century Gothic" panose="020B0502020202020204" pitchFamily="34" charset="0"/>
+              </a:rPr>
+              <a:pPr/>
+              <a:t>11</a:t>
+            </a:fld>
+            <a:endParaRPr lang="en-US" altLang="en-US">
+              <a:solidFill>
+                <a:srgbClr val="7F7F7F"/>
+              </a:solidFill>
+              <a:latin typeface="Century Gothic" panose="020B0502020202020204" pitchFamily="34" charset="0"/>
+            </a:endParaRPr>
+          </a:p>
+        </p:txBody>
+      </p:sp>
+      <p:sp>
+        <p:nvSpPr>
+          <p:cNvPr id="3" name="Content Placeholder 2">
+            <a:extLst>
+              <a:ext uri="{FF2B5EF4-FFF2-40B4-BE49-F238E27FC236}">
+                <a16:creationId xmlns:a16="http://schemas.microsoft.com/office/drawing/2014/main" id="{EEEEC3C2-6B3A-7972-ECDC-EB406525614D}"/>
+              </a:ext>
+            </a:extLst>
+          </p:cNvPr>
+          <p:cNvSpPr>
+            <a:spLocks noGrp="1"/>
+          </p:cNvSpPr>
+          <p:nvPr>
+            <p:ph sz="quarter" idx="4"/>
+          </p:nvPr>
+        </p:nvSpPr>
+        <p:spPr>
+          <a:xfrm>
+            <a:off x="457201" y="5432135"/>
+            <a:ext cx="8229600" cy="694027"/>
+          </a:xfrm>
+        </p:spPr>
+        <p:txBody>
+          <a:bodyPr/>
+          <a:lstStyle/>
+          <a:p>
+            <a:endParaRPr lang="en-US" dirty="0"/>
+          </a:p>
+        </p:txBody>
+      </p:sp>
+      <p:pic>
+        <p:nvPicPr>
+          <p:cNvPr id="6" name="Content Placeholder 5">
+            <a:extLst>
+              <a:ext uri="{FF2B5EF4-FFF2-40B4-BE49-F238E27FC236}">
+                <a16:creationId xmlns:a16="http://schemas.microsoft.com/office/drawing/2014/main" id="{BC1BE216-AAD7-B5E1-BA94-33F277B79E63}"/>
+              </a:ext>
+            </a:extLst>
+          </p:cNvPr>
+          <p:cNvPicPr>
+            <a:picLocks noGrp="1" noChangeAspect="1"/>
+          </p:cNvPicPr>
+          <p:nvPr>
+            <p:ph sz="half" idx="2"/>
+          </p:nvPr>
+        </p:nvPicPr>
+        <p:blipFill>
+          <a:blip r:embed="rId2"/>
+          <a:stretch>
+            <a:fillRect/>
+          </a:stretch>
+        </p:blipFill>
+        <p:spPr>
+          <a:xfrm>
+            <a:off x="850186" y="1265415"/>
+            <a:ext cx="7443627" cy="3936532"/>
+          </a:xfrm>
+        </p:spPr>
+      </p:pic>
+    </p:spTree>
+    <p:extLst>
+      <p:ext uri="{BB962C8B-B14F-4D97-AF65-F5344CB8AC3E}">
+        <p14:creationId xmlns:p14="http://schemas.microsoft.com/office/powerpoint/2010/main" val="525530871"/>
+      </p:ext>
+    </p:extLst>
+  </p:cSld>
+  <p:clrMapOvr>
+    <a:masterClrMapping/>
+  </p:clrMapOvr>
+</p:sld>
+</file>
+
+<file path=ppt/slides/slide12.xml><?xml version="1.0" encoding="utf-8"?>
+<p:sld xmlns:a="http://schemas.openxmlformats.org/drawingml/2006/main" xmlns:r="http://schemas.openxmlformats.org/officeDocument/2006/relationships" xmlns:p="http://schemas.openxmlformats.org/presentationml/2006/main">
+  <p:cSld>
+    <p:spTree>
+      <p:nvGrpSpPr>
+        <p:cNvPr id="1" name=""/>
+        <p:cNvGrpSpPr/>
+        <p:nvPr/>
+      </p:nvGrpSpPr>
+      <p:grpSpPr>
+        <a:xfrm>
+          <a:off x="0" y="0"/>
+          <a:ext cx="0" cy="0"/>
+          <a:chOff x="0" y="0"/>
+          <a:chExt cx="0" cy="0"/>
+        </a:xfrm>
+      </p:grpSpPr>
+      <p:sp>
+        <p:nvSpPr>
+          <p:cNvPr id="48129" name="Title 1">
+            <a:extLst>
+              <a:ext uri="{FF2B5EF4-FFF2-40B4-BE49-F238E27FC236}">
+                <a16:creationId xmlns:a16="http://schemas.microsoft.com/office/drawing/2014/main" id="{E51A7E9B-D3A4-6BA4-A099-2DE46AFD1A20}"/>
+              </a:ext>
+            </a:extLst>
+          </p:cNvPr>
+          <p:cNvSpPr>
+            <a:spLocks noGrp="1"/>
+          </p:cNvSpPr>
+          <p:nvPr>
+            <p:ph type="title"/>
+          </p:nvPr>
+        </p:nvSpPr>
+        <p:spPr/>
+        <p:txBody>
+          <a:bodyPr/>
+          <a:lstStyle/>
+          <a:p>
+            <a:r>
+              <a:rPr altLang="en-US" dirty="0">
+                <a:ea typeface="ヒラギノ角ゴ Pro W3"/>
+              </a:rPr>
+              <a:t>Analysis</a:t>
+            </a:r>
+            <a:r>
+              <a:rPr lang="en-US" altLang="en-US" dirty="0">
+                <a:ea typeface="ヒラギノ角ゴ Pro W3"/>
+              </a:rPr>
+              <a:t> - Lead</a:t>
+            </a:r>
+            <a:endParaRPr altLang="en-US" dirty="0">
+              <a:ea typeface="ヒラギノ角ゴ Pro W3"/>
+            </a:endParaRPr>
+          </a:p>
+        </p:txBody>
+      </p:sp>
+      <p:sp>
+        <p:nvSpPr>
+          <p:cNvPr id="48130" name="Slide Number Placeholder 2">
+            <a:extLst>
+              <a:ext uri="{FF2B5EF4-FFF2-40B4-BE49-F238E27FC236}">
+                <a16:creationId xmlns:a16="http://schemas.microsoft.com/office/drawing/2014/main" id="{1D7CB16A-2E06-F400-7C74-DEC447021028}"/>
+              </a:ext>
+            </a:extLst>
+          </p:cNvPr>
+          <p:cNvSpPr>
+            <a:spLocks noGrp="1" noChangeArrowheads="1"/>
+          </p:cNvSpPr>
+          <p:nvPr>
+            <p:ph type="sldNum" sz="quarter" idx="10"/>
+          </p:nvPr>
+        </p:nvSpPr>
+        <p:spPr bwMode="auto">
+          <a:noFill/>
+          <a:extLst>
+            <a:ext uri="{909E8E84-426E-40DD-AFC4-6F175D3DCCD1}">
+              <a14:hiddenFill xmlns:a14="http://schemas.microsoft.com/office/drawing/2010/main">
+                <a:solidFill>
+                  <a:srgbClr val="FFFFFF"/>
+                </a:solidFill>
+              </a14:hiddenFill>
+            </a:ext>
+            <a:ext uri="{91240B29-F687-4F45-9708-019B960494DF}">
+              <a14:hiddenLine xmlns:a14="http://schemas.microsoft.com/office/drawing/2010/main" w="9525">
+                <a:solidFill>
+                  <a:srgbClr val="000000"/>
+                </a:solidFill>
+                <a:miter lim="800000"/>
+                <a:headEnd/>
+                <a:tailEnd/>
+              </a14:hiddenLine>
+            </a:ext>
+          </a:extLst>
+        </p:spPr>
+        <p:txBody>
+          <a:bodyPr/>
+          <a:lstStyle>
+            <a:lvl1pPr>
+              <a:defRPr>
+                <a:solidFill>
+                  <a:schemeClr val="tx1"/>
+                </a:solidFill>
+                <a:latin typeface="Calibri" panose="020F0502020204030204" pitchFamily="34" charset="0"/>
+                <a:ea typeface="ヒラギノ角ゴ Pro W3"/>
+                <a:cs typeface="ヒラギノ角ゴ Pro W3"/>
+              </a:defRPr>
+            </a:lvl1pPr>
+            <a:lvl2pPr marL="742950" indent="-285750">
+              <a:defRPr>
+                <a:solidFill>
+                  <a:schemeClr val="tx1"/>
+                </a:solidFill>
+                <a:latin typeface="Calibri" panose="020F0502020204030204" pitchFamily="34" charset="0"/>
+                <a:ea typeface="ヒラギノ角ゴ Pro W3"/>
+                <a:cs typeface="ヒラギノ角ゴ Pro W3"/>
+              </a:defRPr>
+            </a:lvl2pPr>
+            <a:lvl3pPr marL="1143000" indent="-228600">
+              <a:defRPr>
+                <a:solidFill>
+                  <a:schemeClr val="tx1"/>
+                </a:solidFill>
+                <a:latin typeface="Calibri" panose="020F0502020204030204" pitchFamily="34" charset="0"/>
+                <a:ea typeface="ヒラギノ角ゴ Pro W3"/>
+                <a:cs typeface="ヒラギノ角ゴ Pro W3"/>
+              </a:defRPr>
+            </a:lvl3pPr>
+            <a:lvl4pPr marL="1600200" indent="-228600">
+              <a:defRPr>
+                <a:solidFill>
+                  <a:schemeClr val="tx1"/>
+                </a:solidFill>
+                <a:latin typeface="Calibri" panose="020F0502020204030204" pitchFamily="34" charset="0"/>
+                <a:ea typeface="ヒラギノ角ゴ Pro W3"/>
+                <a:cs typeface="ヒラギノ角ゴ Pro W3"/>
+              </a:defRPr>
+            </a:lvl4pPr>
+            <a:lvl5pPr marL="2057400" indent="-228600">
+              <a:defRPr>
+                <a:solidFill>
+                  <a:schemeClr val="tx1"/>
+                </a:solidFill>
+                <a:latin typeface="Calibri" panose="020F0502020204030204" pitchFamily="34" charset="0"/>
+                <a:ea typeface="ヒラギノ角ゴ Pro W3"/>
+                <a:cs typeface="ヒラギノ角ゴ Pro W3"/>
+              </a:defRPr>
+            </a:lvl5pPr>
+            <a:lvl6pPr marL="2514600" indent="-228600" defTabSz="457200" eaLnBrk="0" fontAlgn="base" hangingPunct="0">
+              <a:spcBef>
+                <a:spcPct val="0"/>
+              </a:spcBef>
+              <a:spcAft>
+                <a:spcPct val="0"/>
+              </a:spcAft>
+              <a:defRPr>
+                <a:solidFill>
+                  <a:schemeClr val="tx1"/>
+                </a:solidFill>
+                <a:latin typeface="Calibri" panose="020F0502020204030204" pitchFamily="34" charset="0"/>
+                <a:ea typeface="ヒラギノ角ゴ Pro W3"/>
+                <a:cs typeface="ヒラギノ角ゴ Pro W3"/>
+              </a:defRPr>
+            </a:lvl6pPr>
+            <a:lvl7pPr marL="2971800" indent="-228600" defTabSz="457200" eaLnBrk="0" fontAlgn="base" hangingPunct="0">
+              <a:spcBef>
+                <a:spcPct val="0"/>
+              </a:spcBef>
+              <a:spcAft>
+                <a:spcPct val="0"/>
+              </a:spcAft>
+              <a:defRPr>
+                <a:solidFill>
+                  <a:schemeClr val="tx1"/>
+                </a:solidFill>
+                <a:latin typeface="Calibri" panose="020F0502020204030204" pitchFamily="34" charset="0"/>
+                <a:ea typeface="ヒラギノ角ゴ Pro W3"/>
+                <a:cs typeface="ヒラギノ角ゴ Pro W3"/>
+              </a:defRPr>
+            </a:lvl7pPr>
+            <a:lvl8pPr marL="3429000" indent="-228600" defTabSz="457200" eaLnBrk="0" fontAlgn="base" hangingPunct="0">
+              <a:spcBef>
+                <a:spcPct val="0"/>
+              </a:spcBef>
+              <a:spcAft>
+                <a:spcPct val="0"/>
+              </a:spcAft>
+              <a:defRPr>
+                <a:solidFill>
+                  <a:schemeClr val="tx1"/>
+                </a:solidFill>
+                <a:latin typeface="Calibri" panose="020F0502020204030204" pitchFamily="34" charset="0"/>
+                <a:ea typeface="ヒラギノ角ゴ Pro W3"/>
+                <a:cs typeface="ヒラギノ角ゴ Pro W3"/>
+              </a:defRPr>
+            </a:lvl8pPr>
+            <a:lvl9pPr marL="3886200" indent="-228600" defTabSz="457200" eaLnBrk="0" fontAlgn="base" hangingPunct="0">
+              <a:spcBef>
+                <a:spcPct val="0"/>
+              </a:spcBef>
+              <a:spcAft>
+                <a:spcPct val="0"/>
+              </a:spcAft>
+              <a:defRPr>
+                <a:solidFill>
+                  <a:schemeClr val="tx1"/>
+                </a:solidFill>
+                <a:latin typeface="Calibri" panose="020F0502020204030204" pitchFamily="34" charset="0"/>
+                <a:ea typeface="ヒラギノ角ゴ Pro W3"/>
+                <a:cs typeface="ヒラギノ角ゴ Pro W3"/>
+              </a:defRPr>
+            </a:lvl9pPr>
+          </a:lstStyle>
+          <a:p>
+            <a:fld id="{A10D5A4E-2C25-F547-97A4-6E430B52C48D}" type="slidenum">
+              <a:rPr lang="en-US" altLang="en-US">
+                <a:solidFill>
+                  <a:srgbClr val="7F7F7F"/>
+                </a:solidFill>
+                <a:latin typeface="Century Gothic" panose="020B0502020202020204" pitchFamily="34" charset="0"/>
+              </a:rPr>
+              <a:pPr/>
+              <a:t>12</a:t>
+            </a:fld>
+            <a:endParaRPr lang="en-US" altLang="en-US">
+              <a:solidFill>
+                <a:srgbClr val="7F7F7F"/>
+              </a:solidFill>
+              <a:latin typeface="Century Gothic" panose="020B0502020202020204" pitchFamily="34" charset="0"/>
+            </a:endParaRPr>
+          </a:p>
+        </p:txBody>
+      </p:sp>
+      <p:sp>
+        <p:nvSpPr>
+          <p:cNvPr id="3" name="Content Placeholder 2">
+            <a:extLst>
+              <a:ext uri="{FF2B5EF4-FFF2-40B4-BE49-F238E27FC236}">
+                <a16:creationId xmlns:a16="http://schemas.microsoft.com/office/drawing/2014/main" id="{EEEEC3C2-6B3A-7972-ECDC-EB406525614D}"/>
+              </a:ext>
+            </a:extLst>
+          </p:cNvPr>
+          <p:cNvSpPr>
+            <a:spLocks noGrp="1"/>
+          </p:cNvSpPr>
+          <p:nvPr>
+            <p:ph sz="quarter" idx="4"/>
+          </p:nvPr>
+        </p:nvSpPr>
+        <p:spPr>
+          <a:xfrm>
+            <a:off x="457201" y="5305443"/>
+            <a:ext cx="8229600" cy="820720"/>
+          </a:xfrm>
+        </p:spPr>
+        <p:txBody>
+          <a:bodyPr/>
+          <a:lstStyle/>
+          <a:p>
+            <a:endParaRPr lang="en-US" dirty="0"/>
+          </a:p>
+        </p:txBody>
+      </p:sp>
+      <p:pic>
+        <p:nvPicPr>
+          <p:cNvPr id="6" name="Content Placeholder 5">
+            <a:extLst>
+              <a:ext uri="{FF2B5EF4-FFF2-40B4-BE49-F238E27FC236}">
+                <a16:creationId xmlns:a16="http://schemas.microsoft.com/office/drawing/2014/main" id="{B262F92F-BDFC-4580-3D21-0FC8189F8050}"/>
+              </a:ext>
+            </a:extLst>
+          </p:cNvPr>
+          <p:cNvPicPr>
+            <a:picLocks noGrp="1" noChangeAspect="1"/>
+          </p:cNvPicPr>
+          <p:nvPr>
+            <p:ph sz="half" idx="2"/>
+          </p:nvPr>
+        </p:nvPicPr>
+        <p:blipFill>
+          <a:blip r:embed="rId2"/>
+          <a:stretch>
+            <a:fillRect/>
+          </a:stretch>
+        </p:blipFill>
+        <p:spPr>
+          <a:xfrm>
+            <a:off x="457200" y="1371217"/>
+            <a:ext cx="8008706" cy="3716824"/>
+          </a:xfrm>
+        </p:spPr>
+      </p:pic>
+    </p:spTree>
+    <p:extLst>
+      <p:ext uri="{BB962C8B-B14F-4D97-AF65-F5344CB8AC3E}">
+        <p14:creationId xmlns:p14="http://schemas.microsoft.com/office/powerpoint/2010/main" val="1405197385"/>
+      </p:ext>
+    </p:extLst>
+  </p:cSld>
+  <p:clrMapOvr>
+    <a:masterClrMapping/>
+  </p:clrMapOvr>
+</p:sld>
+</file>
+
+<file path=ppt/slides/slide13.xml><?xml version="1.0" encoding="utf-8"?>
+<p:sld xmlns:a="http://schemas.openxmlformats.org/drawingml/2006/main" xmlns:r="http://schemas.openxmlformats.org/officeDocument/2006/relationships" xmlns:p="http://schemas.openxmlformats.org/presentationml/2006/main">
+  <p:cSld>
+    <p:spTree>
+      <p:nvGrpSpPr>
+        <p:cNvPr id="1" name=""/>
+        <p:cNvGrpSpPr/>
+        <p:nvPr/>
+      </p:nvGrpSpPr>
+      <p:grpSpPr>
+        <a:xfrm>
+          <a:off x="0" y="0"/>
+          <a:ext cx="0" cy="0"/>
+          <a:chOff x="0" y="0"/>
+          <a:chExt cx="0" cy="0"/>
+        </a:xfrm>
+      </p:grpSpPr>
+      <p:sp>
+        <p:nvSpPr>
+          <p:cNvPr id="48129" name="Title 1">
+            <a:extLst>
+              <a:ext uri="{FF2B5EF4-FFF2-40B4-BE49-F238E27FC236}">
+                <a16:creationId xmlns:a16="http://schemas.microsoft.com/office/drawing/2014/main" id="{E51A7E9B-D3A4-6BA4-A099-2DE46AFD1A20}"/>
+              </a:ext>
+            </a:extLst>
+          </p:cNvPr>
+          <p:cNvSpPr>
+            <a:spLocks noGrp="1"/>
+          </p:cNvSpPr>
+          <p:nvPr>
+            <p:ph type="title"/>
+          </p:nvPr>
+        </p:nvSpPr>
+        <p:spPr/>
+        <p:txBody>
+          <a:bodyPr/>
+          <a:lstStyle/>
+          <a:p>
+            <a:r>
+              <a:rPr altLang="en-US" dirty="0">
+                <a:ea typeface="ヒラギノ角ゴ Pro W3"/>
+              </a:rPr>
+              <a:t>Analysis</a:t>
+            </a:r>
+            <a:r>
+              <a:rPr lang="en-US" altLang="en-US" dirty="0">
+                <a:ea typeface="ヒラギノ角ゴ Pro W3"/>
+              </a:rPr>
+              <a:t> - Mercury</a:t>
+            </a:r>
+            <a:endParaRPr altLang="en-US" dirty="0">
+              <a:ea typeface="ヒラギノ角ゴ Pro W3"/>
+            </a:endParaRPr>
+          </a:p>
+        </p:txBody>
+      </p:sp>
+      <p:sp>
+        <p:nvSpPr>
+          <p:cNvPr id="48130" name="Slide Number Placeholder 2">
+            <a:extLst>
+              <a:ext uri="{FF2B5EF4-FFF2-40B4-BE49-F238E27FC236}">
+                <a16:creationId xmlns:a16="http://schemas.microsoft.com/office/drawing/2014/main" id="{1D7CB16A-2E06-F400-7C74-DEC447021028}"/>
+              </a:ext>
+            </a:extLst>
+          </p:cNvPr>
+          <p:cNvSpPr>
+            <a:spLocks noGrp="1" noChangeArrowheads="1"/>
+          </p:cNvSpPr>
+          <p:nvPr>
+            <p:ph type="sldNum" sz="quarter" idx="10"/>
+          </p:nvPr>
+        </p:nvSpPr>
+        <p:spPr bwMode="auto">
+          <a:noFill/>
+          <a:extLst>
+            <a:ext uri="{909E8E84-426E-40DD-AFC4-6F175D3DCCD1}">
+              <a14:hiddenFill xmlns:a14="http://schemas.microsoft.com/office/drawing/2010/main">
+                <a:solidFill>
+                  <a:srgbClr val="FFFFFF"/>
+                </a:solidFill>
+              </a14:hiddenFill>
+            </a:ext>
+            <a:ext uri="{91240B29-F687-4F45-9708-019B960494DF}">
+              <a14:hiddenLine xmlns:a14="http://schemas.microsoft.com/office/drawing/2010/main" w="9525">
+                <a:solidFill>
+                  <a:srgbClr val="000000"/>
+                </a:solidFill>
+                <a:miter lim="800000"/>
+                <a:headEnd/>
+                <a:tailEnd/>
+              </a14:hiddenLine>
+            </a:ext>
+          </a:extLst>
+        </p:spPr>
+        <p:txBody>
+          <a:bodyPr/>
+          <a:lstStyle>
+            <a:lvl1pPr>
+              <a:defRPr>
+                <a:solidFill>
+                  <a:schemeClr val="tx1"/>
+                </a:solidFill>
+                <a:latin typeface="Calibri" panose="020F0502020204030204" pitchFamily="34" charset="0"/>
+                <a:ea typeface="ヒラギノ角ゴ Pro W3"/>
+                <a:cs typeface="ヒラギノ角ゴ Pro W3"/>
+              </a:defRPr>
+            </a:lvl1pPr>
+            <a:lvl2pPr marL="742950" indent="-285750">
+              <a:defRPr>
+                <a:solidFill>
+                  <a:schemeClr val="tx1"/>
+                </a:solidFill>
+                <a:latin typeface="Calibri" panose="020F0502020204030204" pitchFamily="34" charset="0"/>
+                <a:ea typeface="ヒラギノ角ゴ Pro W3"/>
+                <a:cs typeface="ヒラギノ角ゴ Pro W3"/>
+              </a:defRPr>
+            </a:lvl2pPr>
+            <a:lvl3pPr marL="1143000" indent="-228600">
+              <a:defRPr>
+                <a:solidFill>
+                  <a:schemeClr val="tx1"/>
+                </a:solidFill>
+                <a:latin typeface="Calibri" panose="020F0502020204030204" pitchFamily="34" charset="0"/>
+                <a:ea typeface="ヒラギノ角ゴ Pro W3"/>
+                <a:cs typeface="ヒラギノ角ゴ Pro W3"/>
+              </a:defRPr>
+            </a:lvl3pPr>
+            <a:lvl4pPr marL="1600200" indent="-228600">
+              <a:defRPr>
+                <a:solidFill>
+                  <a:schemeClr val="tx1"/>
+                </a:solidFill>
+                <a:latin typeface="Calibri" panose="020F0502020204030204" pitchFamily="34" charset="0"/>
+                <a:ea typeface="ヒラギノ角ゴ Pro W3"/>
+                <a:cs typeface="ヒラギノ角ゴ Pro W3"/>
+              </a:defRPr>
+            </a:lvl4pPr>
+            <a:lvl5pPr marL="2057400" indent="-228600">
+              <a:defRPr>
+                <a:solidFill>
+                  <a:schemeClr val="tx1"/>
+                </a:solidFill>
+                <a:latin typeface="Calibri" panose="020F0502020204030204" pitchFamily="34" charset="0"/>
+                <a:ea typeface="ヒラギノ角ゴ Pro W3"/>
+                <a:cs typeface="ヒラギノ角ゴ Pro W3"/>
+              </a:defRPr>
+            </a:lvl5pPr>
+            <a:lvl6pPr marL="2514600" indent="-228600" defTabSz="457200" eaLnBrk="0" fontAlgn="base" hangingPunct="0">
+              <a:spcBef>
+                <a:spcPct val="0"/>
+              </a:spcBef>
+              <a:spcAft>
+                <a:spcPct val="0"/>
+              </a:spcAft>
+              <a:defRPr>
+                <a:solidFill>
+                  <a:schemeClr val="tx1"/>
+                </a:solidFill>
+                <a:latin typeface="Calibri" panose="020F0502020204030204" pitchFamily="34" charset="0"/>
+                <a:ea typeface="ヒラギノ角ゴ Pro W3"/>
+                <a:cs typeface="ヒラギノ角ゴ Pro W3"/>
+              </a:defRPr>
+            </a:lvl6pPr>
+            <a:lvl7pPr marL="2971800" indent="-228600" defTabSz="457200" eaLnBrk="0" fontAlgn="base" hangingPunct="0">
+              <a:spcBef>
+                <a:spcPct val="0"/>
+              </a:spcBef>
+              <a:spcAft>
+                <a:spcPct val="0"/>
+              </a:spcAft>
+              <a:defRPr>
+                <a:solidFill>
+                  <a:schemeClr val="tx1"/>
+                </a:solidFill>
+                <a:latin typeface="Calibri" panose="020F0502020204030204" pitchFamily="34" charset="0"/>
+                <a:ea typeface="ヒラギノ角ゴ Pro W3"/>
+                <a:cs typeface="ヒラギノ角ゴ Pro W3"/>
+              </a:defRPr>
+            </a:lvl7pPr>
+            <a:lvl8pPr marL="3429000" indent="-228600" defTabSz="457200" eaLnBrk="0" fontAlgn="base" hangingPunct="0">
+              <a:spcBef>
+                <a:spcPct val="0"/>
+              </a:spcBef>
+              <a:spcAft>
+                <a:spcPct val="0"/>
+              </a:spcAft>
+              <a:defRPr>
+                <a:solidFill>
+                  <a:schemeClr val="tx1"/>
+                </a:solidFill>
+                <a:latin typeface="Calibri" panose="020F0502020204030204" pitchFamily="34" charset="0"/>
+                <a:ea typeface="ヒラギノ角ゴ Pro W3"/>
+                <a:cs typeface="ヒラギノ角ゴ Pro W3"/>
+              </a:defRPr>
+            </a:lvl8pPr>
+            <a:lvl9pPr marL="3886200" indent="-228600" defTabSz="457200" eaLnBrk="0" fontAlgn="base" hangingPunct="0">
+              <a:spcBef>
+                <a:spcPct val="0"/>
+              </a:spcBef>
+              <a:spcAft>
+                <a:spcPct val="0"/>
+              </a:spcAft>
+              <a:defRPr>
+                <a:solidFill>
+                  <a:schemeClr val="tx1"/>
+                </a:solidFill>
+                <a:latin typeface="Calibri" panose="020F0502020204030204" pitchFamily="34" charset="0"/>
+                <a:ea typeface="ヒラギノ角ゴ Pro W3"/>
+                <a:cs typeface="ヒラギノ角ゴ Pro W3"/>
+              </a:defRPr>
+            </a:lvl9pPr>
+          </a:lstStyle>
+          <a:p>
+            <a:fld id="{A10D5A4E-2C25-F547-97A4-6E430B52C48D}" type="slidenum">
+              <a:rPr lang="en-US" altLang="en-US">
+                <a:solidFill>
+                  <a:srgbClr val="7F7F7F"/>
+                </a:solidFill>
+                <a:latin typeface="Century Gothic" panose="020B0502020202020204" pitchFamily="34" charset="0"/>
+              </a:rPr>
+              <a:pPr/>
+              <a:t>13</a:t>
+            </a:fld>
+            <a:endParaRPr lang="en-US" altLang="en-US">
+              <a:solidFill>
+                <a:srgbClr val="7F7F7F"/>
+              </a:solidFill>
+              <a:latin typeface="Century Gothic" panose="020B0502020202020204" pitchFamily="34" charset="0"/>
+            </a:endParaRPr>
+          </a:p>
+        </p:txBody>
+      </p:sp>
+      <p:sp>
+        <p:nvSpPr>
+          <p:cNvPr id="3" name="Content Placeholder 2">
+            <a:extLst>
+              <a:ext uri="{FF2B5EF4-FFF2-40B4-BE49-F238E27FC236}">
+                <a16:creationId xmlns:a16="http://schemas.microsoft.com/office/drawing/2014/main" id="{EEEEC3C2-6B3A-7972-ECDC-EB406525614D}"/>
+              </a:ext>
+            </a:extLst>
+          </p:cNvPr>
+          <p:cNvSpPr>
+            <a:spLocks noGrp="1"/>
+          </p:cNvSpPr>
+          <p:nvPr>
+            <p:ph sz="quarter" idx="4"/>
+          </p:nvPr>
+        </p:nvSpPr>
+        <p:spPr>
+          <a:xfrm>
+            <a:off x="6493267" y="1479479"/>
+            <a:ext cx="2193533" cy="4646684"/>
+          </a:xfrm>
+        </p:spPr>
+        <p:txBody>
+          <a:bodyPr/>
+          <a:lstStyle/>
+          <a:p>
+            <a:endParaRPr lang="en-US" dirty="0"/>
+          </a:p>
+        </p:txBody>
+      </p:sp>
+      <p:pic>
+        <p:nvPicPr>
+          <p:cNvPr id="5" name="Content Placeholder 4">
+            <a:extLst>
+              <a:ext uri="{FF2B5EF4-FFF2-40B4-BE49-F238E27FC236}">
+                <a16:creationId xmlns:a16="http://schemas.microsoft.com/office/drawing/2014/main" id="{C968AB0B-13DB-1C4B-1E19-9FD4A3BAB510}"/>
+              </a:ext>
+            </a:extLst>
+          </p:cNvPr>
+          <p:cNvPicPr>
+            <a:picLocks noGrp="1" noChangeAspect="1"/>
+          </p:cNvPicPr>
+          <p:nvPr>
+            <p:ph sz="half" idx="2"/>
+          </p:nvPr>
+        </p:nvPicPr>
+        <p:blipFill>
+          <a:blip r:embed="rId2"/>
+          <a:stretch>
+            <a:fillRect/>
+          </a:stretch>
+        </p:blipFill>
+        <p:spPr>
+          <a:xfrm>
+            <a:off x="457200" y="1411620"/>
+            <a:ext cx="5573730" cy="4295849"/>
+          </a:xfrm>
+        </p:spPr>
+      </p:pic>
+    </p:spTree>
+    <p:extLst>
+      <p:ext uri="{BB962C8B-B14F-4D97-AF65-F5344CB8AC3E}">
+        <p14:creationId xmlns:p14="http://schemas.microsoft.com/office/powerpoint/2010/main" val="3188968400"/>
+      </p:ext>
+    </p:extLst>
+  </p:cSld>
+  <p:clrMapOvr>
+    <a:masterClrMapping/>
+  </p:clrMapOvr>
+</p:sld>
+</file>
+
+<file path=ppt/slides/slide14.xml><?xml version="1.0" encoding="utf-8"?>
+<p:sld xmlns:a="http://schemas.openxmlformats.org/drawingml/2006/main" xmlns:r="http://schemas.openxmlformats.org/officeDocument/2006/relationships" xmlns:p="http://schemas.openxmlformats.org/presentationml/2006/main">
+  <p:cSld>
+    <p:spTree>
+      <p:nvGrpSpPr>
+        <p:cNvPr id="1" name=""/>
+        <p:cNvGrpSpPr/>
+        <p:nvPr/>
+      </p:nvGrpSpPr>
+      <p:grpSpPr>
+        <a:xfrm>
+          <a:off x="0" y="0"/>
+          <a:ext cx="0" cy="0"/>
+          <a:chOff x="0" y="0"/>
+          <a:chExt cx="0" cy="0"/>
+        </a:xfrm>
+      </p:grpSpPr>
+      <p:sp>
+        <p:nvSpPr>
+          <p:cNvPr id="48129" name="Title 1">
+            <a:extLst>
+              <a:ext uri="{FF2B5EF4-FFF2-40B4-BE49-F238E27FC236}">
+                <a16:creationId xmlns:a16="http://schemas.microsoft.com/office/drawing/2014/main" id="{E51A7E9B-D3A4-6BA4-A099-2DE46AFD1A20}"/>
+              </a:ext>
+            </a:extLst>
+          </p:cNvPr>
+          <p:cNvSpPr>
+            <a:spLocks noGrp="1"/>
+          </p:cNvSpPr>
+          <p:nvPr>
+            <p:ph type="title"/>
+          </p:nvPr>
+        </p:nvSpPr>
+        <p:spPr/>
+        <p:txBody>
+          <a:bodyPr/>
+          <a:lstStyle/>
+          <a:p>
+            <a:r>
+              <a:rPr altLang="en-US" dirty="0">
+                <a:ea typeface="ヒラギノ角ゴ Pro W3"/>
+              </a:rPr>
+              <a:t>Analysis</a:t>
+            </a:r>
+            <a:r>
+              <a:rPr lang="en-US" altLang="en-US" dirty="0">
+                <a:ea typeface="ヒラギノ角ゴ Pro W3"/>
+              </a:rPr>
+              <a:t> - Mercury</a:t>
+            </a:r>
+            <a:endParaRPr altLang="en-US" dirty="0">
+              <a:ea typeface="ヒラギノ角ゴ Pro W3"/>
+            </a:endParaRPr>
+          </a:p>
+        </p:txBody>
+      </p:sp>
+      <p:sp>
+        <p:nvSpPr>
+          <p:cNvPr id="48130" name="Slide Number Placeholder 2">
+            <a:extLst>
+              <a:ext uri="{FF2B5EF4-FFF2-40B4-BE49-F238E27FC236}">
+                <a16:creationId xmlns:a16="http://schemas.microsoft.com/office/drawing/2014/main" id="{1D7CB16A-2E06-F400-7C74-DEC447021028}"/>
+              </a:ext>
+            </a:extLst>
+          </p:cNvPr>
+          <p:cNvSpPr>
+            <a:spLocks noGrp="1" noChangeArrowheads="1"/>
+          </p:cNvSpPr>
+          <p:nvPr>
+            <p:ph type="sldNum" sz="quarter" idx="10"/>
+          </p:nvPr>
+        </p:nvSpPr>
+        <p:spPr bwMode="auto">
+          <a:noFill/>
+          <a:extLst>
+            <a:ext uri="{909E8E84-426E-40DD-AFC4-6F175D3DCCD1}">
+              <a14:hiddenFill xmlns:a14="http://schemas.microsoft.com/office/drawing/2010/main">
+                <a:solidFill>
+                  <a:srgbClr val="FFFFFF"/>
+                </a:solidFill>
+              </a14:hiddenFill>
+            </a:ext>
+            <a:ext uri="{91240B29-F687-4F45-9708-019B960494DF}">
+              <a14:hiddenLine xmlns:a14="http://schemas.microsoft.com/office/drawing/2010/main" w="9525">
+                <a:solidFill>
+                  <a:srgbClr val="000000"/>
+                </a:solidFill>
+                <a:miter lim="800000"/>
+                <a:headEnd/>
+                <a:tailEnd/>
+              </a14:hiddenLine>
+            </a:ext>
+          </a:extLst>
+        </p:spPr>
+        <p:txBody>
+          <a:bodyPr/>
+          <a:lstStyle>
+            <a:lvl1pPr>
+              <a:defRPr>
+                <a:solidFill>
+                  <a:schemeClr val="tx1"/>
+                </a:solidFill>
+                <a:latin typeface="Calibri" panose="020F0502020204030204" pitchFamily="34" charset="0"/>
+                <a:ea typeface="ヒラギノ角ゴ Pro W3"/>
+                <a:cs typeface="ヒラギノ角ゴ Pro W3"/>
+              </a:defRPr>
+            </a:lvl1pPr>
+            <a:lvl2pPr marL="742950" indent="-285750">
+              <a:defRPr>
+                <a:solidFill>
+                  <a:schemeClr val="tx1"/>
+                </a:solidFill>
+                <a:latin typeface="Calibri" panose="020F0502020204030204" pitchFamily="34" charset="0"/>
+                <a:ea typeface="ヒラギノ角ゴ Pro W3"/>
+                <a:cs typeface="ヒラギノ角ゴ Pro W3"/>
+              </a:defRPr>
+            </a:lvl2pPr>
+            <a:lvl3pPr marL="1143000" indent="-228600">
+              <a:defRPr>
+                <a:solidFill>
+                  <a:schemeClr val="tx1"/>
+                </a:solidFill>
+                <a:latin typeface="Calibri" panose="020F0502020204030204" pitchFamily="34" charset="0"/>
+                <a:ea typeface="ヒラギノ角ゴ Pro W3"/>
+                <a:cs typeface="ヒラギノ角ゴ Pro W3"/>
+              </a:defRPr>
+            </a:lvl3pPr>
+            <a:lvl4pPr marL="1600200" indent="-228600">
+              <a:defRPr>
+                <a:solidFill>
+                  <a:schemeClr val="tx1"/>
+                </a:solidFill>
+                <a:latin typeface="Calibri" panose="020F0502020204030204" pitchFamily="34" charset="0"/>
+                <a:ea typeface="ヒラギノ角ゴ Pro W3"/>
+                <a:cs typeface="ヒラギノ角ゴ Pro W3"/>
+              </a:defRPr>
+            </a:lvl4pPr>
+            <a:lvl5pPr marL="2057400" indent="-228600">
+              <a:defRPr>
+                <a:solidFill>
+                  <a:schemeClr val="tx1"/>
+                </a:solidFill>
+                <a:latin typeface="Calibri" panose="020F0502020204030204" pitchFamily="34" charset="0"/>
+                <a:ea typeface="ヒラギノ角ゴ Pro W3"/>
+                <a:cs typeface="ヒラギノ角ゴ Pro W3"/>
+              </a:defRPr>
+            </a:lvl5pPr>
+            <a:lvl6pPr marL="2514600" indent="-228600" defTabSz="457200" eaLnBrk="0" fontAlgn="base" hangingPunct="0">
+              <a:spcBef>
+                <a:spcPct val="0"/>
+              </a:spcBef>
+              <a:spcAft>
+                <a:spcPct val="0"/>
+              </a:spcAft>
+              <a:defRPr>
+                <a:solidFill>
+                  <a:schemeClr val="tx1"/>
+                </a:solidFill>
+                <a:latin typeface="Calibri" panose="020F0502020204030204" pitchFamily="34" charset="0"/>
+                <a:ea typeface="ヒラギノ角ゴ Pro W3"/>
+                <a:cs typeface="ヒラギノ角ゴ Pro W3"/>
+              </a:defRPr>
+            </a:lvl6pPr>
+            <a:lvl7pPr marL="2971800" indent="-228600" defTabSz="457200" eaLnBrk="0" fontAlgn="base" hangingPunct="0">
+              <a:spcBef>
+                <a:spcPct val="0"/>
+              </a:spcBef>
+              <a:spcAft>
+                <a:spcPct val="0"/>
+              </a:spcAft>
+              <a:defRPr>
+                <a:solidFill>
+                  <a:schemeClr val="tx1"/>
+                </a:solidFill>
+                <a:latin typeface="Calibri" panose="020F0502020204030204" pitchFamily="34" charset="0"/>
+                <a:ea typeface="ヒラギノ角ゴ Pro W3"/>
+                <a:cs typeface="ヒラギノ角ゴ Pro W3"/>
+              </a:defRPr>
+            </a:lvl7pPr>
+            <a:lvl8pPr marL="3429000" indent="-228600" defTabSz="457200" eaLnBrk="0" fontAlgn="base" hangingPunct="0">
+              <a:spcBef>
+                <a:spcPct val="0"/>
+              </a:spcBef>
+              <a:spcAft>
+                <a:spcPct val="0"/>
+              </a:spcAft>
+              <a:defRPr>
+                <a:solidFill>
+                  <a:schemeClr val="tx1"/>
+                </a:solidFill>
+                <a:latin typeface="Calibri" panose="020F0502020204030204" pitchFamily="34" charset="0"/>
+                <a:ea typeface="ヒラギノ角ゴ Pro W3"/>
+                <a:cs typeface="ヒラギノ角ゴ Pro W3"/>
+              </a:defRPr>
+            </a:lvl8pPr>
+            <a:lvl9pPr marL="3886200" indent="-228600" defTabSz="457200" eaLnBrk="0" fontAlgn="base" hangingPunct="0">
+              <a:spcBef>
+                <a:spcPct val="0"/>
+              </a:spcBef>
+              <a:spcAft>
+                <a:spcPct val="0"/>
+              </a:spcAft>
+              <a:defRPr>
+                <a:solidFill>
+                  <a:schemeClr val="tx1"/>
+                </a:solidFill>
+                <a:latin typeface="Calibri" panose="020F0502020204030204" pitchFamily="34" charset="0"/>
+                <a:ea typeface="ヒラギノ角ゴ Pro W3"/>
+                <a:cs typeface="ヒラギノ角ゴ Pro W3"/>
+              </a:defRPr>
+            </a:lvl9pPr>
+          </a:lstStyle>
+          <a:p>
+            <a:fld id="{A10D5A4E-2C25-F547-97A4-6E430B52C48D}" type="slidenum">
+              <a:rPr lang="en-US" altLang="en-US">
+                <a:solidFill>
+                  <a:srgbClr val="7F7F7F"/>
+                </a:solidFill>
+                <a:latin typeface="Century Gothic" panose="020B0502020202020204" pitchFamily="34" charset="0"/>
+              </a:rPr>
+              <a:pPr/>
+              <a:t>14</a:t>
+            </a:fld>
+            <a:endParaRPr lang="en-US" altLang="en-US">
+              <a:solidFill>
+                <a:srgbClr val="7F7F7F"/>
+              </a:solidFill>
+              <a:latin typeface="Century Gothic" panose="020B0502020202020204" pitchFamily="34" charset="0"/>
+            </a:endParaRPr>
+          </a:p>
+        </p:txBody>
+      </p:sp>
+      <p:sp>
+        <p:nvSpPr>
+          <p:cNvPr id="3" name="Content Placeholder 2">
+            <a:extLst>
+              <a:ext uri="{FF2B5EF4-FFF2-40B4-BE49-F238E27FC236}">
+                <a16:creationId xmlns:a16="http://schemas.microsoft.com/office/drawing/2014/main" id="{EEEEC3C2-6B3A-7972-ECDC-EB406525614D}"/>
+              </a:ext>
+            </a:extLst>
+          </p:cNvPr>
+          <p:cNvSpPr>
+            <a:spLocks noGrp="1"/>
+          </p:cNvSpPr>
+          <p:nvPr>
+            <p:ph sz="quarter" idx="4"/>
+          </p:nvPr>
+        </p:nvSpPr>
+        <p:spPr>
+          <a:xfrm>
+            <a:off x="457201" y="5432135"/>
+            <a:ext cx="8229600" cy="694027"/>
+          </a:xfrm>
+        </p:spPr>
+        <p:txBody>
+          <a:bodyPr/>
+          <a:lstStyle/>
+          <a:p>
+            <a:endParaRPr lang="en-US" dirty="0"/>
+          </a:p>
+        </p:txBody>
+      </p:sp>
+      <p:pic>
+        <p:nvPicPr>
+          <p:cNvPr id="6" name="Content Placeholder 5">
+            <a:extLst>
+              <a:ext uri="{FF2B5EF4-FFF2-40B4-BE49-F238E27FC236}">
+                <a16:creationId xmlns:a16="http://schemas.microsoft.com/office/drawing/2014/main" id="{B584BAE6-0207-72DD-E7FB-875906E5BBD6}"/>
+              </a:ext>
+            </a:extLst>
+          </p:cNvPr>
+          <p:cNvPicPr>
+            <a:picLocks noGrp="1" noChangeAspect="1"/>
+          </p:cNvPicPr>
+          <p:nvPr>
+            <p:ph sz="half" idx="2"/>
+          </p:nvPr>
+        </p:nvPicPr>
+        <p:blipFill>
+          <a:blip r:embed="rId2"/>
+          <a:stretch>
+            <a:fillRect/>
+          </a:stretch>
+        </p:blipFill>
+        <p:spPr>
+          <a:xfrm>
+            <a:off x="827070" y="1401547"/>
+            <a:ext cx="7859730" cy="3724975"/>
+          </a:xfrm>
+        </p:spPr>
+      </p:pic>
+    </p:spTree>
+    <p:extLst>
+      <p:ext uri="{BB962C8B-B14F-4D97-AF65-F5344CB8AC3E}">
+        <p14:creationId xmlns:p14="http://schemas.microsoft.com/office/powerpoint/2010/main" val="125710304"/>
+      </p:ext>
+    </p:extLst>
+  </p:cSld>
+  <p:clrMapOvr>
+    <a:masterClrMapping/>
+  </p:clrMapOvr>
+</p:sld>
+</file>
+
+<file path=ppt/slides/slide15.xml><?xml version="1.0" encoding="utf-8"?>
+<p:sld xmlns:a="http://schemas.openxmlformats.org/drawingml/2006/main" xmlns:r="http://schemas.openxmlformats.org/officeDocument/2006/relationships" xmlns:p="http://schemas.openxmlformats.org/presentationml/2006/main">
+  <p:cSld>
+    <p:spTree>
+      <p:nvGrpSpPr>
+        <p:cNvPr id="1" name=""/>
+        <p:cNvGrpSpPr/>
+        <p:nvPr/>
+      </p:nvGrpSpPr>
+      <p:grpSpPr>
+        <a:xfrm>
+          <a:off x="0" y="0"/>
+          <a:ext cx="0" cy="0"/>
+          <a:chOff x="0" y="0"/>
+          <a:chExt cx="0" cy="0"/>
+        </a:xfrm>
+      </p:grpSpPr>
+      <p:sp>
+        <p:nvSpPr>
+          <p:cNvPr id="48129" name="Title 1">
+            <a:extLst>
+              <a:ext uri="{FF2B5EF4-FFF2-40B4-BE49-F238E27FC236}">
+                <a16:creationId xmlns:a16="http://schemas.microsoft.com/office/drawing/2014/main" id="{E51A7E9B-D3A4-6BA4-A099-2DE46AFD1A20}"/>
+              </a:ext>
+            </a:extLst>
+          </p:cNvPr>
+          <p:cNvSpPr>
+            <a:spLocks noGrp="1"/>
+          </p:cNvSpPr>
+          <p:nvPr>
+            <p:ph type="title"/>
+          </p:nvPr>
+        </p:nvSpPr>
+        <p:spPr/>
+        <p:txBody>
+          <a:bodyPr/>
+          <a:lstStyle/>
+          <a:p>
+            <a:r>
+              <a:rPr altLang="en-US" dirty="0">
+                <a:ea typeface="ヒラギノ角ゴ Pro W3"/>
+              </a:rPr>
+              <a:t>Analysis</a:t>
+            </a:r>
+            <a:r>
+              <a:rPr lang="en-US" altLang="en-US" dirty="0">
+                <a:ea typeface="ヒラギノ角ゴ Pro W3"/>
+              </a:rPr>
+              <a:t> - Mercury</a:t>
+            </a:r>
+            <a:endParaRPr altLang="en-US" dirty="0">
+              <a:ea typeface="ヒラギノ角ゴ Pro W3"/>
+            </a:endParaRPr>
+          </a:p>
+        </p:txBody>
+      </p:sp>
+      <p:sp>
+        <p:nvSpPr>
+          <p:cNvPr id="48130" name="Slide Number Placeholder 2">
+            <a:extLst>
+              <a:ext uri="{FF2B5EF4-FFF2-40B4-BE49-F238E27FC236}">
+                <a16:creationId xmlns:a16="http://schemas.microsoft.com/office/drawing/2014/main" id="{1D7CB16A-2E06-F400-7C74-DEC447021028}"/>
+              </a:ext>
+            </a:extLst>
+          </p:cNvPr>
+          <p:cNvSpPr>
+            <a:spLocks noGrp="1" noChangeArrowheads="1"/>
+          </p:cNvSpPr>
+          <p:nvPr>
+            <p:ph type="sldNum" sz="quarter" idx="10"/>
+          </p:nvPr>
+        </p:nvSpPr>
+        <p:spPr bwMode="auto">
+          <a:noFill/>
+          <a:extLst>
+            <a:ext uri="{909E8E84-426E-40DD-AFC4-6F175D3DCCD1}">
+              <a14:hiddenFill xmlns:a14="http://schemas.microsoft.com/office/drawing/2010/main">
+                <a:solidFill>
+                  <a:srgbClr val="FFFFFF"/>
+                </a:solidFill>
+              </a14:hiddenFill>
+            </a:ext>
+            <a:ext uri="{91240B29-F687-4F45-9708-019B960494DF}">
+              <a14:hiddenLine xmlns:a14="http://schemas.microsoft.com/office/drawing/2010/main" w="9525">
+                <a:solidFill>
+                  <a:srgbClr val="000000"/>
+                </a:solidFill>
+                <a:miter lim="800000"/>
+                <a:headEnd/>
+                <a:tailEnd/>
+              </a14:hiddenLine>
+            </a:ext>
+          </a:extLst>
+        </p:spPr>
+        <p:txBody>
+          <a:bodyPr/>
+          <a:lstStyle>
+            <a:lvl1pPr>
+              <a:defRPr>
+                <a:solidFill>
+                  <a:schemeClr val="tx1"/>
+                </a:solidFill>
+                <a:latin typeface="Calibri" panose="020F0502020204030204" pitchFamily="34" charset="0"/>
+                <a:ea typeface="ヒラギノ角ゴ Pro W3"/>
+                <a:cs typeface="ヒラギノ角ゴ Pro W3"/>
+              </a:defRPr>
+            </a:lvl1pPr>
+            <a:lvl2pPr marL="742950" indent="-285750">
+              <a:defRPr>
+                <a:solidFill>
+                  <a:schemeClr val="tx1"/>
+                </a:solidFill>
+                <a:latin typeface="Calibri" panose="020F0502020204030204" pitchFamily="34" charset="0"/>
+                <a:ea typeface="ヒラギノ角ゴ Pro W3"/>
+                <a:cs typeface="ヒラギノ角ゴ Pro W3"/>
+              </a:defRPr>
+            </a:lvl2pPr>
+            <a:lvl3pPr marL="1143000" indent="-228600">
+              <a:defRPr>
+                <a:solidFill>
+                  <a:schemeClr val="tx1"/>
+                </a:solidFill>
+                <a:latin typeface="Calibri" panose="020F0502020204030204" pitchFamily="34" charset="0"/>
+                <a:ea typeface="ヒラギノ角ゴ Pro W3"/>
+                <a:cs typeface="ヒラギノ角ゴ Pro W3"/>
+              </a:defRPr>
+            </a:lvl3pPr>
+            <a:lvl4pPr marL="1600200" indent="-228600">
+              <a:defRPr>
+                <a:solidFill>
+                  <a:schemeClr val="tx1"/>
+                </a:solidFill>
+                <a:latin typeface="Calibri" panose="020F0502020204030204" pitchFamily="34" charset="0"/>
+                <a:ea typeface="ヒラギノ角ゴ Pro W3"/>
+                <a:cs typeface="ヒラギノ角ゴ Pro W3"/>
+              </a:defRPr>
+            </a:lvl4pPr>
+            <a:lvl5pPr marL="2057400" indent="-228600">
+              <a:defRPr>
+                <a:solidFill>
+                  <a:schemeClr val="tx1"/>
+                </a:solidFill>
+                <a:latin typeface="Calibri" panose="020F0502020204030204" pitchFamily="34" charset="0"/>
+                <a:ea typeface="ヒラギノ角ゴ Pro W3"/>
+                <a:cs typeface="ヒラギノ角ゴ Pro W3"/>
+              </a:defRPr>
+            </a:lvl5pPr>
+            <a:lvl6pPr marL="2514600" indent="-228600" defTabSz="457200" eaLnBrk="0" fontAlgn="base" hangingPunct="0">
+              <a:spcBef>
+                <a:spcPct val="0"/>
+              </a:spcBef>
+              <a:spcAft>
+                <a:spcPct val="0"/>
+              </a:spcAft>
+              <a:defRPr>
+                <a:solidFill>
+                  <a:schemeClr val="tx1"/>
+                </a:solidFill>
+                <a:latin typeface="Calibri" panose="020F0502020204030204" pitchFamily="34" charset="0"/>
+                <a:ea typeface="ヒラギノ角ゴ Pro W3"/>
+                <a:cs typeface="ヒラギノ角ゴ Pro W3"/>
+              </a:defRPr>
+            </a:lvl6pPr>
+            <a:lvl7pPr marL="2971800" indent="-228600" defTabSz="457200" eaLnBrk="0" fontAlgn="base" hangingPunct="0">
+              <a:spcBef>
+                <a:spcPct val="0"/>
+              </a:spcBef>
+              <a:spcAft>
+                <a:spcPct val="0"/>
+              </a:spcAft>
+              <a:defRPr>
+                <a:solidFill>
+                  <a:schemeClr val="tx1"/>
+                </a:solidFill>
+                <a:latin typeface="Calibri" panose="020F0502020204030204" pitchFamily="34" charset="0"/>
+                <a:ea typeface="ヒラギノ角ゴ Pro W3"/>
+                <a:cs typeface="ヒラギノ角ゴ Pro W3"/>
+              </a:defRPr>
+            </a:lvl7pPr>
+            <a:lvl8pPr marL="3429000" indent="-228600" defTabSz="457200" eaLnBrk="0" fontAlgn="base" hangingPunct="0">
+              <a:spcBef>
+                <a:spcPct val="0"/>
+              </a:spcBef>
+              <a:spcAft>
+                <a:spcPct val="0"/>
+              </a:spcAft>
+              <a:defRPr>
+                <a:solidFill>
+                  <a:schemeClr val="tx1"/>
+                </a:solidFill>
+                <a:latin typeface="Calibri" panose="020F0502020204030204" pitchFamily="34" charset="0"/>
+                <a:ea typeface="ヒラギノ角ゴ Pro W3"/>
+                <a:cs typeface="ヒラギノ角ゴ Pro W3"/>
+              </a:defRPr>
+            </a:lvl8pPr>
+            <a:lvl9pPr marL="3886200" indent="-228600" defTabSz="457200" eaLnBrk="0" fontAlgn="base" hangingPunct="0">
+              <a:spcBef>
+                <a:spcPct val="0"/>
+              </a:spcBef>
+              <a:spcAft>
+                <a:spcPct val="0"/>
+              </a:spcAft>
+              <a:defRPr>
+                <a:solidFill>
+                  <a:schemeClr val="tx1"/>
+                </a:solidFill>
+                <a:latin typeface="Calibri" panose="020F0502020204030204" pitchFamily="34" charset="0"/>
+                <a:ea typeface="ヒラギノ角ゴ Pro W3"/>
+                <a:cs typeface="ヒラギノ角ゴ Pro W3"/>
+              </a:defRPr>
+            </a:lvl9pPr>
+          </a:lstStyle>
+          <a:p>
+            <a:fld id="{A10D5A4E-2C25-F547-97A4-6E430B52C48D}" type="slidenum">
+              <a:rPr lang="en-US" altLang="en-US">
+                <a:solidFill>
+                  <a:srgbClr val="7F7F7F"/>
+                </a:solidFill>
+                <a:latin typeface="Century Gothic" panose="020B0502020202020204" pitchFamily="34" charset="0"/>
+              </a:rPr>
+              <a:pPr/>
+              <a:t>15</a:t>
+            </a:fld>
+            <a:endParaRPr lang="en-US" altLang="en-US">
+              <a:solidFill>
+                <a:srgbClr val="7F7F7F"/>
+              </a:solidFill>
+              <a:latin typeface="Century Gothic" panose="020B0502020202020204" pitchFamily="34" charset="0"/>
+            </a:endParaRPr>
+          </a:p>
+        </p:txBody>
+      </p:sp>
+      <p:sp>
+        <p:nvSpPr>
+          <p:cNvPr id="3" name="Content Placeholder 2">
+            <a:extLst>
+              <a:ext uri="{FF2B5EF4-FFF2-40B4-BE49-F238E27FC236}">
+                <a16:creationId xmlns:a16="http://schemas.microsoft.com/office/drawing/2014/main" id="{EEEEC3C2-6B3A-7972-ECDC-EB406525614D}"/>
+              </a:ext>
+            </a:extLst>
+          </p:cNvPr>
+          <p:cNvSpPr>
+            <a:spLocks noGrp="1"/>
+          </p:cNvSpPr>
+          <p:nvPr>
+            <p:ph sz="quarter" idx="4"/>
+          </p:nvPr>
+        </p:nvSpPr>
+        <p:spPr>
+          <a:xfrm>
+            <a:off x="457201" y="5305443"/>
+            <a:ext cx="8229600" cy="820720"/>
+          </a:xfrm>
+        </p:spPr>
+        <p:txBody>
+          <a:bodyPr/>
+          <a:lstStyle/>
+          <a:p>
+            <a:endParaRPr lang="en-US" dirty="0"/>
+          </a:p>
+        </p:txBody>
+      </p:sp>
+      <p:pic>
+        <p:nvPicPr>
+          <p:cNvPr id="6" name="Content Placeholder 5">
+            <a:extLst>
+              <a:ext uri="{FF2B5EF4-FFF2-40B4-BE49-F238E27FC236}">
+                <a16:creationId xmlns:a16="http://schemas.microsoft.com/office/drawing/2014/main" id="{3206696E-B665-B9D0-C748-3B06D849B5CC}"/>
+              </a:ext>
+            </a:extLst>
+          </p:cNvPr>
+          <p:cNvPicPr>
+            <a:picLocks noGrp="1" noChangeAspect="1"/>
+          </p:cNvPicPr>
+          <p:nvPr>
+            <p:ph sz="half" idx="2"/>
+          </p:nvPr>
+        </p:nvPicPr>
+        <p:blipFill>
+          <a:blip r:embed="rId2"/>
+          <a:stretch>
+            <a:fillRect/>
+          </a:stretch>
+        </p:blipFill>
+        <p:spPr>
+          <a:xfrm>
+            <a:off x="457199" y="1337241"/>
+            <a:ext cx="7936787" cy="3773796"/>
+          </a:xfrm>
+        </p:spPr>
+      </p:pic>
+    </p:spTree>
+    <p:extLst>
+      <p:ext uri="{BB962C8B-B14F-4D97-AF65-F5344CB8AC3E}">
+        <p14:creationId xmlns:p14="http://schemas.microsoft.com/office/powerpoint/2010/main" val="798534138"/>
+      </p:ext>
+    </p:extLst>
+  </p:cSld>
+  <p:clrMapOvr>
+    <a:masterClrMapping/>
+  </p:clrMapOvr>
+</p:sld>
+</file>
+
+<file path=ppt/slides/slide16.xml><?xml version="1.0" encoding="utf-8"?>
+<p:sld xmlns:a="http://schemas.openxmlformats.org/drawingml/2006/main" xmlns:r="http://schemas.openxmlformats.org/officeDocument/2006/relationships" xmlns:p="http://schemas.openxmlformats.org/presentationml/2006/main">
+  <p:cSld>
+    <p:spTree>
+      <p:nvGrpSpPr>
+        <p:cNvPr id="1" name=""/>
+        <p:cNvGrpSpPr/>
+        <p:nvPr/>
+      </p:nvGrpSpPr>
+      <p:grpSpPr>
+        <a:xfrm>
+          <a:off x="0" y="0"/>
+          <a:ext cx="0" cy="0"/>
+          <a:chOff x="0" y="0"/>
+          <a:chExt cx="0" cy="0"/>
+        </a:xfrm>
+      </p:grpSpPr>
+      <p:sp>
+        <p:nvSpPr>
+          <p:cNvPr id="48129" name="Title 1">
+            <a:extLst>
+              <a:ext uri="{FF2B5EF4-FFF2-40B4-BE49-F238E27FC236}">
+                <a16:creationId xmlns:a16="http://schemas.microsoft.com/office/drawing/2014/main" id="{E51A7E9B-D3A4-6BA4-A099-2DE46AFD1A20}"/>
+              </a:ext>
+            </a:extLst>
+          </p:cNvPr>
+          <p:cNvSpPr>
+            <a:spLocks noGrp="1"/>
+          </p:cNvSpPr>
+          <p:nvPr>
+            <p:ph type="title"/>
+          </p:nvPr>
+        </p:nvSpPr>
+        <p:spPr/>
+        <p:txBody>
+          <a:bodyPr/>
+          <a:lstStyle/>
+          <a:p>
+            <a:r>
+              <a:rPr altLang="en-US" dirty="0">
+                <a:ea typeface="ヒラギノ角ゴ Pro W3"/>
+              </a:rPr>
+              <a:t>Analysis</a:t>
+            </a:r>
+            <a:r>
+              <a:rPr lang="en-US" altLang="en-US" dirty="0">
+                <a:ea typeface="ヒラギノ角ゴ Pro W3"/>
+              </a:rPr>
+              <a:t> – Emissions over time</a:t>
             </a:r>
             <a:endParaRPr altLang="en-US" dirty="0">
               <a:ea typeface="ヒラギノ角ゴ Pro W3"/>
@@ -8110,7 +9940,7 @@
               <a:buNone/>
             </a:pPr>
             <a:r>
-              <a:rPr lang="en-US" sz="1400" b="1" dirty="0"/>
+              <a:rPr lang="en-US" sz="1400" dirty="0"/>
               <a:t>In 2021, mercury, lead and cadmium emissions had decreased by 90%, 91% and 94%, respectively from 1990 levels</a:t>
             </a:r>
           </a:p>
@@ -8281,7 +10111,7 @@
                 <a:latin typeface="Century Gothic" panose="020B0502020202020204" pitchFamily="34" charset="0"/>
               </a:rPr>
               <a:pPr/>
-              <a:t>10</a:t>
+              <a:t>16</a:t>
             </a:fld>
             <a:endParaRPr lang="en-US" altLang="en-US">
               <a:solidFill>
@@ -8334,7 +10164,7 @@
 </p:sld>
 </file>
 
-<file path=ppt/slides/slide11.xml><?xml version="1.0" encoding="utf-8"?>
+<file path=ppt/slides/slide17.xml><?xml version="1.0" encoding="utf-8"?>
 <p:sld xmlns:a="http://schemas.openxmlformats.org/drawingml/2006/main" xmlns:r="http://schemas.openxmlformats.org/officeDocument/2006/relationships" xmlns:p="http://schemas.openxmlformats.org/presentationml/2006/main">
   <p:cSld>
     <p:spTree>
@@ -8549,7 +10379,7 @@
                 <a:latin typeface="Century Gothic" panose="020B0502020202020204" pitchFamily="34" charset="0"/>
               </a:rPr>
               <a:pPr/>
-              <a:t>11</a:t>
+              <a:t>17</a:t>
             </a:fld>
             <a:endParaRPr lang="en-US" altLang="en-US">
               <a:solidFill>
@@ -9958,7 +11788,7 @@
 </p:sld>
 </file>
 
-<file path=ppt/slides/slide12.xml><?xml version="1.0" encoding="utf-8"?>
+<file path=ppt/slides/slide18.xml><?xml version="1.0" encoding="utf-8"?>
 <p:sld xmlns:a="http://schemas.openxmlformats.org/drawingml/2006/main" xmlns:r="http://schemas.openxmlformats.org/officeDocument/2006/relationships" xmlns:p="http://schemas.openxmlformats.org/presentationml/2006/main">
   <p:cSld>
     <p:spTree>
@@ -10176,7 +12006,7 @@
                 <a:latin typeface="Century Gothic" panose="020B0502020202020204" pitchFamily="34" charset="0"/>
               </a:rPr>
               <a:pPr/>
-              <a:t>12</a:t>
+              <a:t>18</a:t>
             </a:fld>
             <a:endParaRPr lang="en-US" altLang="en-US">
               <a:solidFill>
@@ -11495,7 +13325,7 @@
 </p:sld>
 </file>
 
-<file path=ppt/slides/slide13.xml><?xml version="1.0" encoding="utf-8"?>
+<file path=ppt/slides/slide19.xml><?xml version="1.0" encoding="utf-8"?>
 <p:sld xmlns:a="http://schemas.openxmlformats.org/drawingml/2006/main" xmlns:r="http://schemas.openxmlformats.org/officeDocument/2006/relationships" xmlns:p="http://schemas.openxmlformats.org/presentationml/2006/main">
   <p:cSld>
     <p:spTree>
@@ -11713,7 +13543,7 @@
                 <a:latin typeface="Century Gothic" panose="020B0502020202020204" pitchFamily="34" charset="0"/>
               </a:rPr>
               <a:pPr/>
-              <a:t>13</a:t>
+              <a:t>19</a:t>
             </a:fld>
             <a:endParaRPr lang="en-US" altLang="en-US">
               <a:solidFill>
@@ -13121,7 +14951,7 @@
               <a:rPr lang="en-US" altLang="en-US" sz="2400" dirty="0">
                 <a:ea typeface="ヒラギノ角ゴ Pro W3"/>
               </a:rPr>
-              <a:t>Objective/Challenge</a:t>
+              <a:t>Challenge</a:t>
             </a:r>
           </a:p>
           <a:p>
@@ -13183,27 +15013,6 @@
               </a:rPr>
               <a:t>Recommendations</a:t>
             </a:r>
-          </a:p>
-          <a:p>
-            <a:pPr>
-              <a:buFont typeface="Arial" panose="020B0604020202020204" pitchFamily="34" charset="0"/>
-              <a:buChar char="•"/>
-            </a:pPr>
-            <a:r>
-              <a:rPr lang="en-US" altLang="en-US" sz="2400" dirty="0">
-                <a:ea typeface="ヒラギノ角ゴ Pro W3"/>
-              </a:rPr>
-              <a:t>Next Steps</a:t>
-            </a:r>
-          </a:p>
-          <a:p>
-            <a:pPr>
-              <a:buFont typeface="Arial" panose="020B0604020202020204" pitchFamily="34" charset="0"/>
-              <a:buChar char="•"/>
-            </a:pPr>
-            <a:endParaRPr lang="en-US" altLang="en-US" dirty="0">
-              <a:ea typeface="ヒラギノ角ゴ Pro W3"/>
-            </a:endParaRPr>
           </a:p>
         </p:txBody>
       </p:sp>
@@ -13702,10 +15511,10 @@
           <a:lstStyle/>
           <a:p>
             <a:r>
-              <a:rPr altLang="en-US">
+              <a:rPr altLang="en-US" dirty="0">
                 <a:ea typeface="ヒラギノ角ゴ Pro W3"/>
               </a:rPr>
-              <a:t>Objective/Challenge</a:t>
+              <a:t>Challenge</a:t>
             </a:r>
           </a:p>
         </p:txBody>
@@ -14833,10 +16642,11 @@
                 <a:effectLst/>
                 <a:hlinkClick r:id="rId2"/>
               </a:rPr>
-              <a:t>Emissions of harmful substances to air – Lead emissions to air by facility</a:t>
+              <a:t>Emissions of harmful substances to air – Cadmium emissions to air by facility</a:t>
             </a:r>
             <a:endParaRPr lang="en-CA" sz="1800" dirty="0">
               <a:effectLst/>
+              <a:hlinkClick r:id="rId3"/>
             </a:endParaRPr>
           </a:p>
           <a:p>
@@ -14846,7 +16656,7 @@
                 <a:effectLst/>
                 <a:hlinkClick r:id="rId3"/>
               </a:rPr>
-              <a:t>Emissions of harmful substances to air – Cadmium emissions to air by facility</a:t>
+              <a:t>Emissions of harmful substances to air – Lead emissions to air by facility</a:t>
             </a:r>
             <a:endParaRPr lang="en-CA" sz="1800" dirty="0">
               <a:effectLst/>
@@ -15120,11 +16930,20 @@
           <a:lstStyle/>
           <a:p>
             <a:r>
-              <a:rPr altLang="en-US">
+              <a:rPr altLang="en-US" dirty="0">
                 <a:ea typeface="ヒラギノ角ゴ Pro W3"/>
               </a:rPr>
               <a:t>Analysis</a:t>
             </a:r>
+            <a:r>
+              <a:rPr lang="en-US" altLang="en-US" dirty="0">
+                <a:ea typeface="ヒラギノ角ゴ Pro W3"/>
+              </a:rPr>
+              <a:t> - Cadmium</a:t>
+            </a:r>
+            <a:endParaRPr altLang="en-US" dirty="0">
+              <a:ea typeface="ヒラギノ角ゴ Pro W3"/>
+            </a:endParaRPr>
           </a:p>
         </p:txBody>
       </p:sp>
@@ -15304,31 +17123,35 @@
           </a:p>
         </p:txBody>
       </p:sp>
-      <p:sp>
-        <p:nvSpPr>
-          <p:cNvPr id="2" name="Content Placeholder 1">
+      <p:pic>
+        <p:nvPicPr>
+          <p:cNvPr id="6" name="Content Placeholder 5">
             <a:extLst>
               <a:ext uri="{FF2B5EF4-FFF2-40B4-BE49-F238E27FC236}">
-                <a16:creationId xmlns:a16="http://schemas.microsoft.com/office/drawing/2014/main" id="{ABF1408A-E73B-7335-1C0D-BD68EFAB2655}"/>
+                <a16:creationId xmlns:a16="http://schemas.microsoft.com/office/drawing/2014/main" id="{0EFEDC7F-6F8C-4CF4-50F6-35CE15AE12B8}"/>
               </a:ext>
             </a:extLst>
           </p:cNvPr>
-          <p:cNvSpPr>
-            <a:spLocks noGrp="1"/>
-          </p:cNvSpPr>
+          <p:cNvPicPr>
+            <a:picLocks noGrp="1" noChangeAspect="1"/>
+          </p:cNvPicPr>
           <p:nvPr>
             <p:ph sz="half" idx="2"/>
           </p:nvPr>
-        </p:nvSpPr>
-        <p:spPr/>
-        <p:txBody>
-          <a:bodyPr/>
-          <a:lstStyle/>
-          <a:p>
-            <a:endParaRPr lang="en-US" dirty="0"/>
-          </a:p>
-        </p:txBody>
-      </p:sp>
+        </p:nvPicPr>
+        <p:blipFill>
+          <a:blip r:embed="rId2"/>
+          <a:stretch>
+            <a:fillRect/>
+          </a:stretch>
+        </p:blipFill>
+        <p:spPr>
+          <a:xfrm>
+            <a:off x="457200" y="1508929"/>
+            <a:ext cx="5840413" cy="4587855"/>
+          </a:xfrm>
+        </p:spPr>
+      </p:pic>
       <p:sp>
         <p:nvSpPr>
           <p:cNvPr id="3" name="Content Placeholder 2">
@@ -15345,12 +17168,17 @@
             <p:ph sz="quarter" idx="4"/>
           </p:nvPr>
         </p:nvSpPr>
-        <p:spPr/>
+        <p:spPr>
+          <a:xfrm>
+            <a:off x="6493267" y="1479479"/>
+            <a:ext cx="2193533" cy="4646684"/>
+          </a:xfrm>
+        </p:spPr>
         <p:txBody>
           <a:bodyPr/>
           <a:lstStyle/>
           <a:p>
-            <a:endParaRPr lang="en-US"/>
+            <a:endParaRPr lang="en-US" dirty="0"/>
           </a:p>
         </p:txBody>
       </p:sp>
@@ -15406,44 +17234,20 @@
           <a:lstStyle/>
           <a:p>
             <a:r>
-              <a:rPr altLang="en-US">
+              <a:rPr altLang="en-US" dirty="0">
                 <a:ea typeface="ヒラギノ角ゴ Pro W3"/>
               </a:rPr>
               <a:t>Analysis</a:t>
             </a:r>
-          </a:p>
-        </p:txBody>
-      </p:sp>
-      <p:sp>
-        <p:nvSpPr>
-          <p:cNvPr id="5" name="Content Placeholder 4">
-            <a:extLst>
-              <a:ext uri="{FF2B5EF4-FFF2-40B4-BE49-F238E27FC236}">
-                <a16:creationId xmlns:a16="http://schemas.microsoft.com/office/drawing/2014/main" id="{7C13677B-80A6-A135-AB2F-4E0814BB2EBB}"/>
-              </a:ext>
-            </a:extLst>
-          </p:cNvPr>
-          <p:cNvSpPr>
-            <a:spLocks noGrp="1"/>
-          </p:cNvSpPr>
-          <p:nvPr>
-            <p:ph sz="quarter" idx="4"/>
-          </p:nvPr>
-        </p:nvSpPr>
-        <p:spPr>
-          <a:xfrm>
-            <a:off x="457201" y="5022157"/>
-            <a:ext cx="8229600" cy="1255353"/>
-          </a:xfrm>
-        </p:spPr>
-        <p:txBody>
-          <a:bodyPr/>
-          <a:lstStyle/>
-          <a:p>
-            <a:pPr marL="0" indent="0">
-              <a:buNone/>
-            </a:pPr>
-            <a:endParaRPr lang="en-US" sz="1400" dirty="0"/>
+            <a:r>
+              <a:rPr lang="en-US" altLang="en-US" dirty="0">
+                <a:ea typeface="ヒラギノ角ゴ Pro W3"/>
+              </a:rPr>
+              <a:t> - Cadmium</a:t>
+            </a:r>
+            <a:endParaRPr altLang="en-US" dirty="0">
+              <a:ea typeface="ヒラギノ角ゴ Pro W3"/>
+            </a:endParaRPr>
           </a:p>
         </p:txBody>
       </p:sp>
@@ -15625,10 +17429,10 @@
       </p:sp>
       <p:sp>
         <p:nvSpPr>
-          <p:cNvPr id="2" name="Content Placeholder 1">
+          <p:cNvPr id="3" name="Content Placeholder 2">
             <a:extLst>
               <a:ext uri="{FF2B5EF4-FFF2-40B4-BE49-F238E27FC236}">
-                <a16:creationId xmlns:a16="http://schemas.microsoft.com/office/drawing/2014/main" id="{66B8C67A-C448-3D7B-8C97-1F150DA6FA46}"/>
+                <a16:creationId xmlns:a16="http://schemas.microsoft.com/office/drawing/2014/main" id="{EEEEC3C2-6B3A-7972-ECDC-EB406525614D}"/>
               </a:ext>
             </a:extLst>
           </p:cNvPr>
@@ -15636,10 +17440,15 @@
             <a:spLocks noGrp="1"/>
           </p:cNvSpPr>
           <p:nvPr>
-            <p:ph sz="half" idx="2"/>
+            <p:ph sz="quarter" idx="4"/>
           </p:nvPr>
         </p:nvSpPr>
-        <p:spPr/>
+        <p:spPr>
+          <a:xfrm>
+            <a:off x="457201" y="5432135"/>
+            <a:ext cx="8229600" cy="694027"/>
+          </a:xfrm>
+        </p:spPr>
         <p:txBody>
           <a:bodyPr/>
           <a:lstStyle/>
@@ -15648,10 +17457,39 @@
           </a:p>
         </p:txBody>
       </p:sp>
+      <p:pic>
+        <p:nvPicPr>
+          <p:cNvPr id="5" name="Content Placeholder 4">
+            <a:extLst>
+              <a:ext uri="{FF2B5EF4-FFF2-40B4-BE49-F238E27FC236}">
+                <a16:creationId xmlns:a16="http://schemas.microsoft.com/office/drawing/2014/main" id="{937FA541-4DFB-CE58-3C71-F0FA409A0E53}"/>
+              </a:ext>
+            </a:extLst>
+          </p:cNvPr>
+          <p:cNvPicPr>
+            <a:picLocks noGrp="1" noChangeAspect="1"/>
+          </p:cNvPicPr>
+          <p:nvPr>
+            <p:ph sz="half" idx="2"/>
+          </p:nvPr>
+        </p:nvPicPr>
+        <p:blipFill>
+          <a:blip r:embed="rId2"/>
+          <a:stretch>
+            <a:fillRect/>
+          </a:stretch>
+        </p:blipFill>
+        <p:spPr>
+          <a:xfrm>
+            <a:off x="1135294" y="1265850"/>
+            <a:ext cx="7299789" cy="4051191"/>
+          </a:xfrm>
+        </p:spPr>
+      </p:pic>
     </p:spTree>
     <p:extLst>
       <p:ext uri="{BB962C8B-B14F-4D97-AF65-F5344CB8AC3E}">
-        <p14:creationId xmlns:p14="http://schemas.microsoft.com/office/powerpoint/2010/main" val="1007766901"/>
+        <p14:creationId xmlns:p14="http://schemas.microsoft.com/office/powerpoint/2010/main" val="640777266"/>
       </p:ext>
     </p:extLst>
   </p:cSld>
@@ -15700,47 +17538,20 @@
           <a:lstStyle/>
           <a:p>
             <a:r>
-              <a:rPr altLang="en-US">
+              <a:rPr altLang="en-US" dirty="0">
                 <a:ea typeface="ヒラギノ角ゴ Pro W3"/>
               </a:rPr>
               <a:t>Analysis</a:t>
             </a:r>
-          </a:p>
-        </p:txBody>
-      </p:sp>
-      <p:sp>
-        <p:nvSpPr>
-          <p:cNvPr id="5" name="Content Placeholder 4">
-            <a:extLst>
-              <a:ext uri="{FF2B5EF4-FFF2-40B4-BE49-F238E27FC236}">
-                <a16:creationId xmlns:a16="http://schemas.microsoft.com/office/drawing/2014/main" id="{7C13677B-80A6-A135-AB2F-4E0814BB2EBB}"/>
-              </a:ext>
-            </a:extLst>
-          </p:cNvPr>
-          <p:cNvSpPr>
-            <a:spLocks noGrp="1"/>
-          </p:cNvSpPr>
-          <p:nvPr>
-            <p:ph sz="quarter" idx="4"/>
-          </p:nvPr>
-        </p:nvSpPr>
-        <p:spPr>
-          <a:xfrm>
-            <a:off x="457201" y="5022157"/>
-            <a:ext cx="8229600" cy="1255353"/>
-          </a:xfrm>
-        </p:spPr>
-        <p:txBody>
-          <a:bodyPr/>
-          <a:lstStyle/>
-          <a:p>
-            <a:pPr marL="0" indent="0">
-              <a:buNone/>
-            </a:pPr>
             <a:r>
-              <a:rPr lang="en-US" sz="1400" dirty="0"/>
-              <a:t>In 2021, mercury, lead and cadmium emissions had decreased by 90%, 91% and 94%, respectively from 1990 levels</a:t>
+              <a:rPr lang="en-US" altLang="en-US" dirty="0">
+                <a:ea typeface="ヒラギノ角ゴ Pro W3"/>
+              </a:rPr>
+              <a:t> - Cadmium</a:t>
             </a:r>
+            <a:endParaRPr altLang="en-US" dirty="0">
+              <a:ea typeface="ヒラギノ角ゴ Pro W3"/>
+            </a:endParaRPr>
           </a:p>
         </p:txBody>
       </p:sp>
@@ -15922,10 +17733,10 @@
       </p:sp>
       <p:sp>
         <p:nvSpPr>
-          <p:cNvPr id="2" name="Content Placeholder 1">
+          <p:cNvPr id="3" name="Content Placeholder 2">
             <a:extLst>
               <a:ext uri="{FF2B5EF4-FFF2-40B4-BE49-F238E27FC236}">
-                <a16:creationId xmlns:a16="http://schemas.microsoft.com/office/drawing/2014/main" id="{66B8C67A-C448-3D7B-8C97-1F150DA6FA46}"/>
+                <a16:creationId xmlns:a16="http://schemas.microsoft.com/office/drawing/2014/main" id="{EEEEC3C2-6B3A-7972-ECDC-EB406525614D}"/>
               </a:ext>
             </a:extLst>
           </p:cNvPr>
@@ -15933,19 +17744,58 @@
             <a:spLocks noGrp="1"/>
           </p:cNvSpPr>
           <p:nvPr>
-            <p:ph sz="half" idx="2"/>
+            <p:ph sz="quarter" idx="4"/>
           </p:nvPr>
         </p:nvSpPr>
-        <p:spPr/>
+        <p:spPr>
+          <a:xfrm>
+            <a:off x="457201" y="5305443"/>
+            <a:ext cx="8229600" cy="820720"/>
+          </a:xfrm>
+        </p:spPr>
         <p:txBody>
           <a:bodyPr/>
           <a:lstStyle/>
           <a:p>
-            <a:endParaRPr lang="en-US"/>
+            <a:endParaRPr lang="en-US" dirty="0"/>
           </a:p>
         </p:txBody>
       </p:sp>
+      <p:pic>
+        <p:nvPicPr>
+          <p:cNvPr id="5" name="Content Placeholder 4">
+            <a:extLst>
+              <a:ext uri="{FF2B5EF4-FFF2-40B4-BE49-F238E27FC236}">
+                <a16:creationId xmlns:a16="http://schemas.microsoft.com/office/drawing/2014/main" id="{8B53DE07-2CF6-6553-0E67-06056C520735}"/>
+              </a:ext>
+            </a:extLst>
+          </p:cNvPr>
+          <p:cNvPicPr>
+            <a:picLocks noGrp="1" noChangeAspect="1"/>
+          </p:cNvPicPr>
+          <p:nvPr>
+            <p:ph sz="half" idx="2"/>
+          </p:nvPr>
+        </p:nvPicPr>
+        <p:blipFill>
+          <a:blip r:embed="rId2"/>
+          <a:stretch>
+            <a:fillRect/>
+          </a:stretch>
+        </p:blipFill>
+        <p:spPr>
+          <a:xfrm>
+            <a:off x="457200" y="1552557"/>
+            <a:ext cx="8316930" cy="3641387"/>
+          </a:xfrm>
+        </p:spPr>
+      </p:pic>
     </p:spTree>
+    <p:extLst>
+      <p:ext uri="{BB962C8B-B14F-4D97-AF65-F5344CB8AC3E}">
+        <p14:creationId xmlns:p14="http://schemas.microsoft.com/office/powerpoint/2010/main" val="203726699"/>
+      </p:ext>
+    </p:extLst>
   </p:cSld>
   <p:clrMapOvr>
     <a:masterClrMapping/>

--- a/open_data_platform_hackathon/osdp_deck.pptx
+++ b/open_data_platform_hackathon/osdp_deck.pptx
@@ -323,7 +323,7 @@
               <a:pPr>
                 <a:defRPr/>
               </a:pPr>
-              <a:t>5/3/24</a:t>
+              <a:t>5/4/24</a:t>
             </a:fld>
             <a:endParaRPr lang="en-US" altLang="en-US"/>
           </a:p>
@@ -565,7 +565,7 @@
               <a:pPr>
                 <a:defRPr/>
               </a:pPr>
-              <a:t>5/3/24</a:t>
+              <a:t>5/4/24</a:t>
             </a:fld>
             <a:endParaRPr lang="en-US" altLang="en-US"/>
           </a:p>
@@ -17171,14 +17171,14 @@
         <p:spPr>
           <a:xfrm>
             <a:off x="6493267" y="1479479"/>
-            <a:ext cx="2193533" cy="4646684"/>
+            <a:ext cx="2469578" cy="4646684"/>
           </a:xfrm>
         </p:spPr>
         <p:txBody>
           <a:bodyPr/>
           <a:lstStyle/>
           <a:p>
-            <a:endParaRPr lang="en-US" dirty="0"/>
+            <a:endParaRPr lang="en-US" sz="1600" dirty="0"/>
           </a:p>
         </p:txBody>
       </p:sp>

--- a/open_data_platform_hackathon/osdp_deck.pptx
+++ b/open_data_platform_hackathon/osdp_deck.pptx
@@ -9928,8 +9928,8 @@
         </p:nvSpPr>
         <p:spPr>
           <a:xfrm>
-            <a:off x="457200" y="5347878"/>
-            <a:ext cx="8229600" cy="1255353"/>
+            <a:off x="457200" y="4393564"/>
+            <a:ext cx="8229600" cy="2209668"/>
           </a:xfrm>
         </p:spPr>
         <p:txBody>
@@ -9940,9 +9940,60 @@
               <a:buNone/>
             </a:pPr>
             <a:r>
-              <a:rPr lang="en-US" sz="1400" dirty="0"/>
-              <a:t>In 2021, mercury, lead and cadmium emissions had decreased by 90%, 91% and 94%, respectively from 1990 levels</a:t>
-            </a:r>
+              <a:rPr lang="en-US" sz="1000" dirty="0"/>
+              <a:t>In 2021, mercury, lead and cadmium emissions had decreased by 90%, 91% and 94%, respectively from 1990 levels.  They did slightly increase between 2014 to 2017.</a:t>
+            </a:r>
+          </a:p>
+          <a:p>
+            <a:pPr marL="0" indent="0">
+              <a:buNone/>
+            </a:pPr>
+            <a:r>
+              <a:rPr lang="en-US" sz="1000" dirty="0"/>
+              <a:t>The decrease in mercury, lead and cadmium emissions are mostly attributed to a large drop in emissions from the non-ferrous refining and smelting industry. This decline was primarily due to the </a:t>
+            </a:r>
+          </a:p>
+          <a:p>
+            <a:pPr marL="0" indent="0">
+              <a:buNone/>
+            </a:pPr>
+            <a:r>
+              <a:rPr lang="en-US" sz="1000" dirty="0"/>
+              <a:t>- Implementation of pollution prevention plans</a:t>
+            </a:r>
+          </a:p>
+          <a:p>
+            <a:pPr marL="0" indent="0">
+              <a:buNone/>
+            </a:pPr>
+            <a:r>
+              <a:rPr lang="en-US" sz="1000" dirty="0"/>
+              <a:t>- The closing of outdated smelters, compliance with federal and provincial legislation, and conformance with guidelines introduced over this period</a:t>
+            </a:r>
+          </a:p>
+          <a:p>
+            <a:pPr marL="0" indent="0">
+              <a:buNone/>
+            </a:pPr>
+            <a:r>
+              <a:rPr lang="en-US" sz="1000" dirty="0"/>
+              <a:t>- The changes in facility processes and adoption of emission reduction technologies also contributed to the reduction of mercury emissions</a:t>
+            </a:r>
+          </a:p>
+          <a:p>
+            <a:pPr marL="0" indent="0">
+              <a:buNone/>
+            </a:pPr>
+            <a:r>
+              <a:rPr lang="en-US" sz="1000" dirty="0"/>
+              <a:t>- Changes in lead concentrations in smelter feed and changes in production levels at some facilities</a:t>
+            </a:r>
+          </a:p>
+          <a:p>
+            <a:pPr marL="0" indent="0">
+              <a:buNone/>
+            </a:pPr>
+            <a:endParaRPr lang="en-US" sz="1000" dirty="0"/>
           </a:p>
         </p:txBody>
       </p:sp>
@@ -10146,8 +10197,8 @@
         </p:blipFill>
         <p:spPr>
           <a:xfrm>
-            <a:off x="457201" y="1339314"/>
-            <a:ext cx="7813496" cy="3929725"/>
+            <a:off x="1291231" y="1353563"/>
+            <a:ext cx="6023969" cy="2946913"/>
           </a:xfrm>
         </p:spPr>
       </p:pic>
@@ -17178,7 +17229,40 @@
           <a:bodyPr/>
           <a:lstStyle/>
           <a:p>
-            <a:endParaRPr lang="en-US" sz="1600" dirty="0"/>
+            <a:pPr marL="0" indent="0">
+              <a:buNone/>
+            </a:pPr>
+            <a:r>
+              <a:rPr lang="en-US" sz="1000" dirty="0"/>
+              <a:t>In 2021, facility-reported cadmium emissions represent 74% of total national cadmium emissions.</a:t>
+            </a:r>
+          </a:p>
+          <a:p>
+            <a:pPr marL="0" indent="0">
+              <a:buNone/>
+            </a:pPr>
+            <a:r>
+              <a:rPr lang="en-US" sz="1000" dirty="0"/>
+              <a:t>- 115 facilities reported emissions under 0.5 kilogram (kg)</a:t>
+            </a:r>
+          </a:p>
+          <a:p>
+            <a:pPr marL="0" indent="0">
+              <a:buNone/>
+            </a:pPr>
+            <a:r>
+              <a:rPr lang="en-US" sz="1000" dirty="0"/>
+              <a:t>- 115 facilities reported emissions between 0.5 to 20 kg</a:t>
+            </a:r>
+          </a:p>
+          <a:p>
+            <a:pPr marL="0" indent="0">
+              <a:buNone/>
+            </a:pPr>
+            <a:r>
+              <a:rPr lang="en-US" sz="1000" dirty="0"/>
+              <a:t>- 18 facilities reported emissions over 20 kg, which were located in British Columbia (1), Manitoba (1), New Brunswick (1), Newfoundland and Labrador (1), Ontario (3), Alberta (5), and Quebec (6)</a:t>
+            </a:r>
           </a:p>
         </p:txBody>
       </p:sp>
@@ -17445,7 +17529,7 @@
         </p:nvSpPr>
         <p:spPr>
           <a:xfrm>
-            <a:off x="457201" y="5432135"/>
+            <a:off x="767825" y="5489682"/>
             <a:ext cx="8229600" cy="694027"/>
           </a:xfrm>
         </p:spPr>
@@ -17453,7 +17537,38 @@
           <a:bodyPr/>
           <a:lstStyle/>
           <a:p>
-            <a:endParaRPr lang="en-US" dirty="0"/>
+            <a:pPr marL="0" indent="0">
+              <a:buNone/>
+            </a:pPr>
+            <a:r>
+              <a:rPr lang="en-US" sz="1000" dirty="0"/>
+              <a:t>- In 2021, Ontario and Quebec accounted for 68% (3.1 </a:t>
+            </a:r>
+            <a:r>
+              <a:rPr lang="en-US" sz="1000" dirty="0" err="1"/>
+              <a:t>tonnes</a:t>
+            </a:r>
+            <a:r>
+              <a:rPr lang="en-US" sz="1000" dirty="0"/>
+              <a:t>) of national cadmium emissions</a:t>
+            </a:r>
+          </a:p>
+          <a:p>
+            <a:pPr marL="0" indent="0">
+              <a:buNone/>
+            </a:pPr>
+            <a:r>
+              <a:rPr lang="en-US" sz="1000" dirty="0"/>
+              <a:t>- Between 1994 and 2021, Manitoba had the largest decline in emissions (59.6 </a:t>
+            </a:r>
+            <a:r>
+              <a:rPr lang="en-US" sz="1000" dirty="0" err="1"/>
+              <a:t>tonnes</a:t>
+            </a:r>
+            <a:r>
+              <a:rPr lang="en-US" sz="1000" dirty="0"/>
+              <a:t>)</a:t>
+            </a:r>
           </a:p>
         </p:txBody>
       </p:sp>
@@ -17481,7 +17596,7 @@
         </p:blipFill>
         <p:spPr>
           <a:xfrm>
-            <a:off x="1135294" y="1265850"/>
+            <a:off x="767825" y="1265850"/>
             <a:ext cx="7299789" cy="4051191"/>
           </a:xfrm>
         </p:spPr>
@@ -17749,15 +17864,72 @@
         </p:nvSpPr>
         <p:spPr>
           <a:xfrm>
-            <a:off x="457201" y="5305443"/>
-            <a:ext cx="8229600" cy="820720"/>
+            <a:off x="775530" y="4886699"/>
+            <a:ext cx="7971091" cy="1232090"/>
           </a:xfrm>
         </p:spPr>
         <p:txBody>
           <a:bodyPr/>
           <a:lstStyle/>
           <a:p>
-            <a:endParaRPr lang="en-US" dirty="0"/>
+            <a:pPr marL="0" indent="0">
+              <a:buNone/>
+            </a:pPr>
+            <a:r>
+              <a:rPr lang="en-US" sz="1000" dirty="0"/>
+              <a:t>- In 2021, 4.5 </a:t>
+            </a:r>
+            <a:r>
+              <a:rPr lang="en-US" sz="1000" dirty="0" err="1"/>
+              <a:t>tonnes</a:t>
+            </a:r>
+            <a:r>
+              <a:rPr lang="en-US" sz="1000" dirty="0"/>
+              <a:t> of cadmium were emitted in Canada</a:t>
+            </a:r>
+          </a:p>
+          <a:p>
+            <a:pPr marL="0" indent="0">
+              <a:buNone/>
+            </a:pPr>
+            <a:r>
+              <a:rPr lang="en-US" sz="1000" dirty="0"/>
+              <a:t>- Since 1990, the largest source of cadmium emissions has been the non-ferrous refining and smelting industry. It accounted for 49% (or 2.2 </a:t>
+            </a:r>
+            <a:r>
+              <a:rPr lang="en-US" sz="1000" dirty="0" err="1"/>
+              <a:t>tonnes</a:t>
+            </a:r>
+            <a:r>
+              <a:rPr lang="en-US" sz="1000" dirty="0"/>
+              <a:t>) of the national total in 2021</a:t>
+            </a:r>
+          </a:p>
+          <a:p>
+            <a:pPr marL="0" indent="0">
+              <a:buNone/>
+            </a:pPr>
+            <a:r>
+              <a:rPr lang="en-US" sz="1000" dirty="0"/>
+              <a:t>- Between 1990 and 2021, cadmium emissions decreased by 94% (or 76.7 </a:t>
+            </a:r>
+            <a:r>
+              <a:rPr lang="en-US" sz="1000" dirty="0" err="1"/>
+              <a:t>tonnes</a:t>
+            </a:r>
+            <a:r>
+              <a:rPr lang="en-US" sz="1000" dirty="0"/>
+              <a:t>)</a:t>
+            </a:r>
+          </a:p>
+          <a:p>
+            <a:pPr marL="0" indent="0">
+              <a:buNone/>
+            </a:pPr>
+            <a:r>
+              <a:rPr lang="en-US" sz="1000" dirty="0"/>
+              <a:t>- Cadmium emissions fluctuated between 1990 and 2006, but decreased steadily from 2007 onward. Fluctuations in cadmium emissions prior to 2010 are mostly driven by emissions from a non-ferrous refining and smelting facility in Manitoba.</a:t>
+            </a:r>
           </a:p>
         </p:txBody>
       </p:sp>
@@ -17785,8 +17957,8 @@
         </p:blipFill>
         <p:spPr>
           <a:xfrm>
-            <a:off x="457200" y="1552557"/>
-            <a:ext cx="8316930" cy="3641387"/>
+            <a:off x="775531" y="1364550"/>
+            <a:ext cx="7592938" cy="3324403"/>
           </a:xfrm>
         </p:spPr>
       </p:pic>

--- a/open_data_platform_hackathon/osdp_deck.pptx
+++ b/open_data_platform_hackathon/osdp_deck.pptx
@@ -8280,15 +8280,74 @@
         </p:nvSpPr>
         <p:spPr>
           <a:xfrm>
-            <a:off x="6493267" y="1479479"/>
-            <a:ext cx="2193533" cy="4646684"/>
+            <a:off x="6383709" y="1479479"/>
+            <a:ext cx="2691926" cy="4646684"/>
           </a:xfrm>
         </p:spPr>
         <p:txBody>
           <a:bodyPr/>
           <a:lstStyle/>
           <a:p>
-            <a:endParaRPr lang="en-US" dirty="0"/>
+            <a:pPr marL="0" indent="0" algn="l">
+              <a:buNone/>
+            </a:pPr>
+            <a:r>
+              <a:rPr lang="en-CA" sz="1000" b="0" i="0" dirty="0">
+                <a:solidFill>
+                  <a:srgbClr val="333333"/>
+                </a:solidFill>
+                <a:effectLst/>
+              </a:rPr>
+              <a:t>In 2021, facility-reported lead emissions represent 82% of total national lead emissions</a:t>
+            </a:r>
+          </a:p>
+          <a:p>
+            <a:r>
+              <a:rPr lang="en-CA" sz="1000" b="0" i="0" dirty="0">
+                <a:solidFill>
+                  <a:srgbClr val="333333"/>
+                </a:solidFill>
+                <a:effectLst/>
+              </a:rPr>
+              <a:t>121 facilities reported emissions under 0.5 kilogram (kg)</a:t>
+            </a:r>
+          </a:p>
+          <a:p>
+            <a:r>
+              <a:rPr lang="en-CA" sz="1000" b="0" i="0" dirty="0">
+                <a:solidFill>
+                  <a:srgbClr val="333333"/>
+                </a:solidFill>
+                <a:effectLst/>
+              </a:rPr>
+              <a:t>200 facilities reported emissions between 0.5 to 120 kg</a:t>
+            </a:r>
+          </a:p>
+          <a:p>
+            <a:r>
+              <a:rPr lang="en-CA" sz="1000" b="0" i="0" dirty="0">
+                <a:solidFill>
+                  <a:srgbClr val="333333"/>
+                </a:solidFill>
+                <a:effectLst/>
+              </a:rPr>
+              <a:t>35 facilities reported emissions over 120 kg, which were located in British Columbia (1), Saskatchewan (2), Manitoba (2), New Brunswick (2), Newfoundland and Labrador (2), Alberta (3), Ontario (11) and Quebec (12)</a:t>
+            </a:r>
+          </a:p>
+          <a:p>
+            <a:pPr lvl="1"/>
+            <a:r>
+              <a:rPr lang="en-CA" sz="1000" b="0" i="0" dirty="0">
+                <a:solidFill>
+                  <a:srgbClr val="333333"/>
+                </a:solidFill>
+                <a:effectLst/>
+              </a:rPr>
+              <a:t>One (1) non-ferrous smelting and refining facility in Quebec accounted for 70% (or 54 516 kg) of the total facility-reported lead emissions in 2021</a:t>
+            </a:r>
+          </a:p>
+          <a:p>
+            <a:endParaRPr lang="en-US" sz="1000" dirty="0"/>
           </a:p>
         </p:txBody>
       </p:sp>
@@ -8584,7 +8643,7 @@
         </p:nvSpPr>
         <p:spPr>
           <a:xfrm>
-            <a:off x="457201" y="5432135"/>
+            <a:off x="850186" y="5432135"/>
             <a:ext cx="8229600" cy="694027"/>
           </a:xfrm>
         </p:spPr>
@@ -8592,7 +8651,21 @@
           <a:bodyPr/>
           <a:lstStyle/>
           <a:p>
-            <a:endParaRPr lang="en-US" dirty="0"/>
+            <a:r>
+              <a:rPr lang="en-US" sz="1000" dirty="0"/>
+              <a:t>In 2021, Quebec and Ontario accounted for 69% and 12% of national lead emissions, respectively</a:t>
+            </a:r>
+          </a:p>
+          <a:p>
+            <a:r>
+              <a:rPr lang="en-US" sz="1000" dirty="0"/>
+              <a:t>Between 1994 and 2021, Manitoba had the largest decrease in emissions of 503.5 </a:t>
+            </a:r>
+            <a:r>
+              <a:rPr lang="en-US" sz="1000" dirty="0" err="1"/>
+              <a:t>tonnes</a:t>
+            </a:r>
+            <a:endParaRPr lang="en-US" sz="1000" dirty="0"/>
           </a:p>
         </p:txBody>
       </p:sp>
@@ -8896,7 +8969,46 @@
           <a:bodyPr/>
           <a:lstStyle/>
           <a:p>
-            <a:endParaRPr lang="en-US" dirty="0"/>
+            <a:r>
+              <a:rPr lang="en-US" sz="1000" dirty="0"/>
+              <a:t>In 2021, 94.7 </a:t>
+            </a:r>
+            <a:r>
+              <a:rPr lang="en-US" sz="1000" dirty="0" err="1"/>
+              <a:t>tonnes</a:t>
+            </a:r>
+            <a:r>
+              <a:rPr lang="en-US" sz="1000" dirty="0"/>
+              <a:t> of lead were emitted in Canada</a:t>
+            </a:r>
+          </a:p>
+          <a:p>
+            <a:r>
+              <a:rPr lang="en-US" sz="1000" dirty="0"/>
+              <a:t>The largest source of lead emissions has been the non-ferrous smelting and refining industry since 1990. It accounted for 65% (or 62.0 </a:t>
+            </a:r>
+            <a:r>
+              <a:rPr lang="en-US" sz="1000" dirty="0" err="1"/>
+              <a:t>tonnes</a:t>
+            </a:r>
+            <a:r>
+              <a:rPr lang="en-US" sz="1000" dirty="0"/>
+              <a:t>) of total emissions in 2021</a:t>
+            </a:r>
+          </a:p>
+          <a:p>
+            <a:r>
+              <a:rPr lang="en-US" sz="1000" dirty="0"/>
+              <a:t>Between 1990 and 2021, lead emissions decreased by 91% (or 928.2 </a:t>
+            </a:r>
+            <a:r>
+              <a:rPr lang="en-US" sz="1000" dirty="0" err="1"/>
+              <a:t>tonnes</a:t>
+            </a:r>
+            <a:r>
+              <a:rPr lang="en-US" sz="1000" dirty="0"/>
+              <a:t>)</a:t>
+            </a:r>
           </a:p>
         </p:txBody>
       </p:sp>
@@ -17238,30 +17350,21 @@
             </a:r>
           </a:p>
           <a:p>
-            <a:pPr marL="0" indent="0">
-              <a:buNone/>
-            </a:pPr>
             <a:r>
               <a:rPr lang="en-US" sz="1000" dirty="0"/>
-              <a:t>- 115 facilities reported emissions under 0.5 kilogram (kg)</a:t>
-            </a:r>
-          </a:p>
-          <a:p>
-            <a:pPr marL="0" indent="0">
-              <a:buNone/>
-            </a:pPr>
+              <a:t>115 facilities reported emissions under 0.5 kilogram (kg)</a:t>
+            </a:r>
+          </a:p>
+          <a:p>
             <a:r>
               <a:rPr lang="en-US" sz="1000" dirty="0"/>
-              <a:t>- 115 facilities reported emissions between 0.5 to 20 kg</a:t>
-            </a:r>
-          </a:p>
-          <a:p>
-            <a:pPr marL="0" indent="0">
-              <a:buNone/>
-            </a:pPr>
+              <a:t> 115 facilities reported emissions between 0.5 to 20 kg</a:t>
+            </a:r>
+          </a:p>
+          <a:p>
             <a:r>
               <a:rPr lang="en-US" sz="1000" dirty="0"/>
-              <a:t>- 18 facilities reported emissions over 20 kg, which were located in British Columbia (1), Manitoba (1), New Brunswick (1), Newfoundland and Labrador (1), Ontario (3), Alberta (5), and Quebec (6)</a:t>
+              <a:t>18 facilities reported emissions over 20 kg, which were located in British Columbia (1), Manitoba (1), New Brunswick (1), Newfoundland and Labrador (1), Ontario (3), Alberta (5), and Quebec (6)</a:t>
             </a:r>
           </a:p>
         </p:txBody>

--- a/open_data_platform_hackathon/osdp_deck.pptx
+++ b/open_data_platform_hackathon/osdp_deck.pptx
@@ -271,7 +271,7 @@
             <a:pPr>
               <a:defRPr/>
             </a:pPr>
-            <a:endParaRPr lang="en-US"/>
+            <a:endParaRPr lang="en-US" dirty="0"/>
           </a:p>
         </p:txBody>
       </p:sp>
@@ -323,9 +323,9 @@
               <a:pPr>
                 <a:defRPr/>
               </a:pPr>
-              <a:t>5/4/24</a:t>
+              <a:t>5/5/24</a:t>
             </a:fld>
-            <a:endParaRPr lang="en-US" altLang="en-US"/>
+            <a:endParaRPr lang="en-US" altLang="en-US" dirty="0"/>
           </a:p>
         </p:txBody>
       </p:sp>
@@ -375,7 +375,7 @@
             <a:pPr>
               <a:defRPr/>
             </a:pPr>
-            <a:endParaRPr lang="en-US"/>
+            <a:endParaRPr lang="en-US" dirty="0"/>
           </a:p>
         </p:txBody>
       </p:sp>
@@ -426,7 +426,7 @@
               </a:pPr>
               <a:t>‹#›</a:t>
             </a:fld>
-            <a:endParaRPr lang="en-US" altLang="en-US"/>
+            <a:endParaRPr lang="en-US" altLang="en-US" dirty="0"/>
           </a:p>
         </p:txBody>
       </p:sp>
@@ -513,7 +513,7 @@
             <a:pPr>
               <a:defRPr/>
             </a:pPr>
-            <a:endParaRPr lang="en-US"/>
+            <a:endParaRPr lang="en-US" dirty="0"/>
           </a:p>
         </p:txBody>
       </p:sp>
@@ -565,9 +565,9 @@
               <a:pPr>
                 <a:defRPr/>
               </a:pPr>
-              <a:t>5/4/24</a:t>
+              <a:t>5/5/24</a:t>
             </a:fld>
-            <a:endParaRPr lang="en-US" altLang="en-US"/>
+            <a:endParaRPr lang="en-US" altLang="en-US" dirty="0"/>
           </a:p>
         </p:txBody>
       </p:sp>
@@ -607,7 +607,7 @@
           <a:lstStyle/>
           <a:p>
             <a:pPr lvl="0"/>
-            <a:endParaRPr lang="en-US" noProof="0"/>
+            <a:endParaRPr lang="en-US" noProof="0" dirty="0"/>
           </a:p>
         </p:txBody>
       </p:sp>
@@ -723,7 +723,7 @@
             <a:pPr>
               <a:defRPr/>
             </a:pPr>
-            <a:endParaRPr lang="en-US"/>
+            <a:endParaRPr lang="en-US" dirty="0"/>
           </a:p>
         </p:txBody>
       </p:sp>
@@ -774,7 +774,7 @@
               </a:pPr>
               <a:t>‹#›</a:t>
             </a:fld>
-            <a:endParaRPr lang="en-US" altLang="en-US"/>
+            <a:endParaRPr lang="en-US" altLang="en-US" dirty="0"/>
           </a:p>
         </p:txBody>
       </p:sp>
@@ -973,7 +973,7 @@
             <a:pPr algn="ctr" eaLnBrk="1" hangingPunct="1">
               <a:defRPr/>
             </a:pPr>
-            <a:endParaRPr lang="en-CA"/>
+            <a:endParaRPr lang="en-CA" dirty="0"/>
           </a:p>
         </p:txBody>
       </p:sp>
@@ -1486,7 +1486,7 @@
               </a:pPr>
               <a:t>‹#›</a:t>
             </a:fld>
-            <a:endParaRPr lang="en-US" altLang="en-US"/>
+            <a:endParaRPr lang="en-US" altLang="en-US" dirty="0"/>
           </a:p>
         </p:txBody>
       </p:sp>
@@ -1693,7 +1693,7 @@
               </a:pPr>
               <a:t>‹#›</a:t>
             </a:fld>
-            <a:endParaRPr lang="en-US" altLang="en-US"/>
+            <a:endParaRPr lang="en-US" altLang="en-US" dirty="0"/>
           </a:p>
         </p:txBody>
       </p:sp>
@@ -1864,7 +1864,7 @@
               </a:pPr>
               <a:t>‹#›</a:t>
             </a:fld>
-            <a:endParaRPr lang="en-US" altLang="en-US"/>
+            <a:endParaRPr lang="en-US" altLang="en-US" dirty="0"/>
           </a:p>
         </p:txBody>
       </p:sp>
@@ -2236,7 +2236,7 @@
               </a:pPr>
               <a:t>‹#›</a:t>
             </a:fld>
-            <a:endParaRPr lang="en-US" altLang="en-US"/>
+            <a:endParaRPr lang="en-US" altLang="en-US" dirty="0"/>
           </a:p>
         </p:txBody>
       </p:sp>
@@ -2520,7 +2520,7 @@
               </a:pPr>
               <a:t>‹#›</a:t>
             </a:fld>
-            <a:endParaRPr lang="en-US" altLang="en-US"/>
+            <a:endParaRPr lang="en-US" altLang="en-US" dirty="0"/>
           </a:p>
         </p:txBody>
       </p:sp>
@@ -2745,7 +2745,7 @@
               </a:pPr>
               <a:t>‹#›</a:t>
             </a:fld>
-            <a:endParaRPr lang="en-US" altLang="en-US"/>
+            <a:endParaRPr lang="en-US" altLang="en-US" dirty="0"/>
           </a:p>
         </p:txBody>
       </p:sp>
@@ -2887,7 +2887,7 @@
               </a:pPr>
               <a:t>‹#›</a:t>
             </a:fld>
-            <a:endParaRPr lang="en-US" altLang="en-US"/>
+            <a:endParaRPr lang="en-US" altLang="en-US" dirty="0"/>
           </a:p>
         </p:txBody>
       </p:sp>
@@ -3419,7 +3419,7 @@
               </a:pPr>
               <a:t>‹#›</a:t>
             </a:fld>
-            <a:endParaRPr lang="en-US" altLang="en-US"/>
+            <a:endParaRPr lang="en-US" altLang="en-US" dirty="0"/>
           </a:p>
         </p:txBody>
       </p:sp>
@@ -3562,7 +3562,7 @@
             <a:pPr algn="ctr" eaLnBrk="1" hangingPunct="1">
               <a:defRPr/>
             </a:pPr>
-            <a:endParaRPr lang="en-CA"/>
+            <a:endParaRPr lang="en-CA" dirty="0"/>
           </a:p>
         </p:txBody>
       </p:sp>
@@ -3896,7 +3896,7 @@
               </a:pPr>
               <a:t>‹#›</a:t>
             </a:fld>
-            <a:endParaRPr lang="en-US" altLang="en-US"/>
+            <a:endParaRPr lang="en-US" altLang="en-US" dirty="0"/>
           </a:p>
         </p:txBody>
       </p:sp>
@@ -3979,7 +3979,7 @@
             <a:pPr algn="ctr" eaLnBrk="1" hangingPunct="1">
               <a:defRPr/>
             </a:pPr>
-            <a:endParaRPr lang="en-CA"/>
+            <a:endParaRPr lang="en-CA" dirty="0"/>
           </a:p>
         </p:txBody>
       </p:sp>
@@ -4358,7 +4358,7 @@
               </a:pPr>
               <a:t>‹#›</a:t>
             </a:fld>
-            <a:endParaRPr lang="en-US" altLang="en-US"/>
+            <a:endParaRPr lang="en-US" altLang="en-US" dirty="0"/>
           </a:p>
         </p:txBody>
       </p:sp>
@@ -4684,7 +4684,7 @@
               </a:pPr>
               <a:t>‹#›</a:t>
             </a:fld>
-            <a:endParaRPr lang="en-US" altLang="en-US"/>
+            <a:endParaRPr lang="en-US" altLang="en-US" dirty="0"/>
           </a:p>
         </p:txBody>
       </p:sp>
@@ -5086,7 +5086,7 @@
               </a:pPr>
               <a:t>‹#›</a:t>
             </a:fld>
-            <a:endParaRPr lang="en-US" altLang="en-US"/>
+            <a:endParaRPr lang="en-US" altLang="en-US" dirty="0"/>
           </a:p>
         </p:txBody>
       </p:sp>
@@ -5229,7 +5229,7 @@
             <a:pPr algn="ctr" eaLnBrk="1" hangingPunct="1">
               <a:defRPr/>
             </a:pPr>
-            <a:endParaRPr lang="en-CA"/>
+            <a:endParaRPr lang="en-CA" dirty="0"/>
           </a:p>
         </p:txBody>
       </p:sp>
@@ -5282,7 +5282,7 @@
             <a:pPr algn="ctr" eaLnBrk="1" hangingPunct="1">
               <a:defRPr/>
             </a:pPr>
-            <a:endParaRPr lang="en-CA"/>
+            <a:endParaRPr lang="en-CA" dirty="0"/>
           </a:p>
         </p:txBody>
       </p:sp>
@@ -5555,7 +5555,7 @@
               </a:pPr>
               <a:t>‹#›</a:t>
             </a:fld>
-            <a:endParaRPr lang="en-US" altLang="en-US"/>
+            <a:endParaRPr lang="en-US" altLang="en-US" dirty="0"/>
           </a:p>
         </p:txBody>
       </p:sp>
@@ -5638,7 +5638,7 @@
             <a:pPr algn="ctr" eaLnBrk="1" hangingPunct="1">
               <a:defRPr/>
             </a:pPr>
-            <a:endParaRPr lang="en-CA">
+            <a:endParaRPr lang="en-CA" dirty="0">
               <a:solidFill>
                 <a:srgbClr val="ECECEC"/>
               </a:solidFill>
@@ -5975,7 +5975,7 @@
               </a:pPr>
               <a:t>‹#›</a:t>
             </a:fld>
-            <a:endParaRPr lang="en-US" altLang="en-US"/>
+            <a:endParaRPr lang="en-US" altLang="en-US" dirty="0"/>
           </a:p>
         </p:txBody>
       </p:sp>
@@ -6118,7 +6118,7 @@
             <a:pPr algn="ctr" eaLnBrk="1" hangingPunct="1">
               <a:defRPr/>
             </a:pPr>
-            <a:endParaRPr lang="en-CA">
+            <a:endParaRPr lang="en-CA" dirty="0">
               <a:solidFill>
                 <a:srgbClr val="ECECEC"/>
               </a:solidFill>
@@ -6454,7 +6454,7 @@
               </a:pPr>
               <a:t>‹#›</a:t>
             </a:fld>
-            <a:endParaRPr lang="en-US" altLang="en-US"/>
+            <a:endParaRPr lang="en-US" altLang="en-US" dirty="0"/>
           </a:p>
         </p:txBody>
       </p:sp>
@@ -6986,7 +6986,7 @@
               </a:pPr>
               <a:t>‹#›</a:t>
             </a:fld>
-            <a:endParaRPr lang="en-US" altLang="en-US"/>
+            <a:endParaRPr lang="en-US" altLang="en-US" dirty="0"/>
           </a:p>
         </p:txBody>
       </p:sp>
@@ -7298,7 +7298,7 @@
               </a:pPr>
               <a:t>‹#›</a:t>
             </a:fld>
-            <a:endParaRPr lang="en-US" altLang="en-US"/>
+            <a:endParaRPr lang="en-US" altLang="en-US" dirty="0"/>
           </a:p>
         </p:txBody>
       </p:sp>
@@ -7793,7 +7793,7 @@
               <a:rPr altLang="en-US" dirty="0">
                 <a:ea typeface="ヒラギノ角ゴ Pro W3"/>
               </a:rPr>
-              <a:t>P UX Hackathon</a:t>
+              <a:t>P Hackathon</a:t>
             </a:r>
           </a:p>
         </p:txBody>
@@ -7831,7 +7831,7 @@
                 </a:solidFill>
                 <a:effectLst/>
               </a:rPr>
-              <a:t>Understand human-related toxic air emissions in Canada</a:t>
+              <a:t>Understand human-related toxic air emissions in Canada + UX Recommendations</a:t>
             </a:r>
             <a:endParaRPr lang="en-US" sz="2400" dirty="0">
               <a:solidFill>
@@ -8013,7 +8013,7 @@
               <a:pPr/>
               <a:t>1</a:t>
             </a:fld>
-            <a:endParaRPr lang="en-US" altLang="en-US">
+            <a:endParaRPr lang="en-US" altLang="en-US" dirty="0">
               <a:solidFill>
                 <a:srgbClr val="7F7F7F"/>
               </a:solidFill>
@@ -8253,7 +8253,7 @@
               <a:pPr/>
               <a:t>10</a:t>
             </a:fld>
-            <a:endParaRPr lang="en-US" altLang="en-US">
+            <a:endParaRPr lang="en-US" altLang="en-US" dirty="0">
               <a:solidFill>
                 <a:srgbClr val="7F7F7F"/>
               </a:solidFill>
@@ -8280,8 +8280,8 @@
         </p:nvSpPr>
         <p:spPr>
           <a:xfrm>
-            <a:off x="6383709" y="1479479"/>
-            <a:ext cx="2691926" cy="4646684"/>
+            <a:off x="6452074" y="1403256"/>
+            <a:ext cx="2691926" cy="4777483"/>
           </a:xfrm>
         </p:spPr>
         <p:txBody>
@@ -8292,7 +8292,7 @@
               <a:buNone/>
             </a:pPr>
             <a:r>
-              <a:rPr lang="en-CA" sz="1000" b="0" i="0" dirty="0">
+              <a:rPr lang="en-CA" sz="1200" b="0" i="0" dirty="0">
                 <a:solidFill>
                   <a:srgbClr val="333333"/>
                 </a:solidFill>
@@ -8303,7 +8303,7 @@
           </a:p>
           <a:p>
             <a:r>
-              <a:rPr lang="en-CA" sz="1000" b="0" i="0" dirty="0">
+              <a:rPr lang="en-CA" sz="1200" b="0" i="0" dirty="0">
                 <a:solidFill>
                   <a:srgbClr val="333333"/>
                 </a:solidFill>
@@ -8314,7 +8314,7 @@
           </a:p>
           <a:p>
             <a:r>
-              <a:rPr lang="en-CA" sz="1000" b="0" i="0" dirty="0">
+              <a:rPr lang="en-CA" sz="1200" b="0" i="0" dirty="0">
                 <a:solidFill>
                   <a:srgbClr val="333333"/>
                 </a:solidFill>
@@ -8325,7 +8325,7 @@
           </a:p>
           <a:p>
             <a:r>
-              <a:rPr lang="en-CA" sz="1000" b="0" i="0" dirty="0">
+              <a:rPr lang="en-CA" sz="1200" b="0" i="0" dirty="0">
                 <a:solidFill>
                   <a:srgbClr val="333333"/>
                 </a:solidFill>
@@ -8337,7 +8337,7 @@
           <a:p>
             <a:pPr lvl="1"/>
             <a:r>
-              <a:rPr lang="en-CA" sz="1000" b="0" i="0" dirty="0">
+              <a:rPr lang="en-CA" sz="1200" b="0" i="0" dirty="0">
                 <a:solidFill>
                   <a:srgbClr val="333333"/>
                 </a:solidFill>
@@ -8347,7 +8347,7 @@
             </a:r>
           </a:p>
           <a:p>
-            <a:endParaRPr lang="en-US" sz="1000" dirty="0"/>
+            <a:endParaRPr lang="en-US" sz="1200" dirty="0"/>
           </a:p>
         </p:txBody>
       </p:sp>
@@ -8616,7 +8616,7 @@
               <a:pPr/>
               <a:t>11</a:t>
             </a:fld>
-            <a:endParaRPr lang="en-US" altLang="en-US">
+            <a:endParaRPr lang="en-US" altLang="en-US" dirty="0">
               <a:solidFill>
                 <a:srgbClr val="7F7F7F"/>
               </a:solidFill>
@@ -8652,20 +8652,15 @@
           <a:lstStyle/>
           <a:p>
             <a:r>
-              <a:rPr lang="en-US" sz="1000" dirty="0"/>
+              <a:rPr lang="en-US" sz="1200" dirty="0"/>
               <a:t>In 2021, Quebec and Ontario accounted for 69% and 12% of national lead emissions, respectively</a:t>
             </a:r>
           </a:p>
           <a:p>
             <a:r>
-              <a:rPr lang="en-US" sz="1000" dirty="0"/>
-              <a:t>Between 1994 and 2021, Manitoba had the largest decrease in emissions of 503.5 </a:t>
-            </a:r>
-            <a:r>
-              <a:rPr lang="en-US" sz="1000" dirty="0" err="1"/>
-              <a:t>tonnes</a:t>
-            </a:r>
-            <a:endParaRPr lang="en-US" sz="1000" dirty="0"/>
+              <a:rPr lang="en-US" sz="1200" dirty="0"/>
+              <a:t>Between 1994 and 2021, Manitoba had the largest decrease in emissions of 503.5 tonnes</a:t>
+            </a:r>
           </a:p>
         </p:txBody>
       </p:sp>
@@ -8934,7 +8929,7 @@
               <a:pPr/>
               <a:t>12</a:t>
             </a:fld>
-            <a:endParaRPr lang="en-US" altLang="en-US">
+            <a:endParaRPr lang="en-US" altLang="en-US" dirty="0">
               <a:solidFill>
                 <a:srgbClr val="7F7F7F"/>
               </a:solidFill>
@@ -8961,8 +8956,8 @@
         </p:nvSpPr>
         <p:spPr>
           <a:xfrm>
-            <a:off x="457201" y="5305443"/>
-            <a:ext cx="8229600" cy="820720"/>
+            <a:off x="762712" y="5178234"/>
+            <a:ext cx="8229600" cy="1056738"/>
           </a:xfrm>
         </p:spPr>
         <p:txBody>
@@ -8971,44 +8966,29 @@
           <a:p>
             <a:r>
               <a:rPr lang="en-US" sz="1000" dirty="0"/>
-              <a:t>In 2021, 94.7 </a:t>
-            </a:r>
-            <a:r>
-              <a:rPr lang="en-US" sz="1000" dirty="0" err="1"/>
-              <a:t>tonnes</a:t>
-            </a:r>
+              <a:t>In 2021, 94.7 tonnes of lead were emitted in Canada</a:t>
+            </a:r>
+          </a:p>
+          <a:p>
             <a:r>
               <a:rPr lang="en-US" sz="1000" dirty="0"/>
-              <a:t> of lead were emitted in Canada</a:t>
+              <a:t>The largest source of lead emissions has been the non-ferrous smelting and refining industry since 1990. It accounted for 65% (or 62.0 tonnes) of total emissions in 2021</a:t>
             </a:r>
           </a:p>
           <a:p>
             <a:r>
               <a:rPr lang="en-US" sz="1000" dirty="0"/>
-              <a:t>The largest source of lead emissions has been the non-ferrous smelting and refining industry since 1990. It accounted for 65% (or 62.0 </a:t>
-            </a:r>
-            <a:r>
-              <a:rPr lang="en-US" sz="1000" dirty="0" err="1"/>
-              <a:t>tonnes</a:t>
-            </a:r>
+              <a:t>Between 1990 and 2021, lead emissions decreased by 91% (or 928.2 tonnes)</a:t>
+            </a:r>
+          </a:p>
+          <a:p>
             <a:r>
               <a:rPr lang="en-US" sz="1000" dirty="0"/>
-              <a:t>) of total emissions in 2021</a:t>
-            </a:r>
-          </a:p>
-          <a:p>
-            <a:r>
-              <a:rPr lang="en-US" sz="1000" dirty="0"/>
-              <a:t>Between 1990 and 2021, lead emissions decreased by 91% (or 928.2 </a:t>
-            </a:r>
-            <a:r>
-              <a:rPr lang="en-US" sz="1000" dirty="0" err="1"/>
-              <a:t>tonnes</a:t>
-            </a:r>
-            <a:r>
-              <a:rPr lang="en-US" sz="1000" dirty="0"/>
-              <a:t>)</a:t>
-            </a:r>
+              <a:t>Reductions were driven by changes in lead concentrations in smelter feed and changes in production levels at some facilities</a:t>
+            </a:r>
+          </a:p>
+          <a:p>
+            <a:endParaRPr lang="en-US" sz="1000" dirty="0"/>
           </a:p>
         </p:txBody>
       </p:sp>
@@ -9030,14 +9010,13 @@
         </p:nvPicPr>
         <p:blipFill>
           <a:blip r:embed="rId2"/>
-          <a:stretch>
-            <a:fillRect/>
-          </a:stretch>
+          <a:srcRect/>
+          <a:stretch/>
         </p:blipFill>
         <p:spPr>
           <a:xfrm>
-            <a:off x="457200" y="1371217"/>
-            <a:ext cx="8008706" cy="3716824"/>
+            <a:off x="762712" y="1361304"/>
+            <a:ext cx="7618576" cy="3535765"/>
           </a:xfrm>
         </p:spPr>
       </p:pic>
@@ -9277,7 +9256,7 @@
               <a:pPr/>
               <a:t>13</a:t>
             </a:fld>
-            <a:endParaRPr lang="en-US" altLang="en-US">
+            <a:endParaRPr lang="en-US" altLang="en-US" dirty="0">
               <a:solidFill>
                 <a:srgbClr val="7F7F7F"/>
               </a:solidFill>
@@ -9312,7 +9291,31 @@
           <a:bodyPr/>
           <a:lstStyle/>
           <a:p>
-            <a:endParaRPr lang="en-US" dirty="0"/>
+            <a:pPr marL="0" indent="0">
+              <a:buNone/>
+            </a:pPr>
+            <a:r>
+              <a:rPr lang="en-US" sz="1200" dirty="0"/>
+              <a:t>In 2021, facility-reported mercury emissions represent 60% of total national mercury emissions.</a:t>
+            </a:r>
+          </a:p>
+          <a:p>
+            <a:r>
+              <a:rPr lang="en-US" sz="1200" dirty="0"/>
+              <a:t>60 facilities reported emissions under 0.5 kilogram (kg)</a:t>
+            </a:r>
+          </a:p>
+          <a:p>
+            <a:r>
+              <a:rPr lang="en-US" sz="1200" dirty="0"/>
+              <a:t>109 facilities reported emissions between 0.5 to 100 kg</a:t>
+            </a:r>
+          </a:p>
+          <a:p>
+            <a:r>
+              <a:rPr lang="en-US" sz="1200" dirty="0"/>
+              <a:t>3 facilities reported emissions over 100 kg, which were located in Quebec (1) and Saskatchewan (2) </a:t>
+            </a:r>
           </a:p>
         </p:txBody>
       </p:sp>
@@ -9332,17 +9335,22 @@
             <p:ph sz="half" idx="2"/>
           </p:nvPr>
         </p:nvPicPr>
-        <p:blipFill>
+        <p:blipFill rotWithShape="1">
           <a:blip r:embed="rId2"/>
-          <a:stretch>
-            <a:fillRect/>
-          </a:stretch>
+          <a:srcRect/>
+          <a:stretch/>
         </p:blipFill>
         <p:spPr>
           <a:xfrm>
             <a:off x="457200" y="1411620"/>
             <a:ext cx="5573730" cy="4295849"/>
           </a:xfrm>
+          <a:solidFill>
+            <a:schemeClr val="bg1"/>
+          </a:solidFill>
+          <a:ln>
+            <a:noFill/>
+          </a:ln>
         </p:spPr>
       </p:pic>
     </p:spTree>
@@ -9581,7 +9589,7 @@
               <a:pPr/>
               <a:t>14</a:t>
             </a:fld>
-            <a:endParaRPr lang="en-US" altLang="en-US">
+            <a:endParaRPr lang="en-US" altLang="en-US" dirty="0">
               <a:solidFill>
                 <a:srgbClr val="7F7F7F"/>
               </a:solidFill>
@@ -9608,7 +9616,7 @@
         </p:nvSpPr>
         <p:spPr>
           <a:xfrm>
-            <a:off x="457201" y="5432135"/>
+            <a:off x="827070" y="5456453"/>
             <a:ext cx="8229600" cy="694027"/>
           </a:xfrm>
         </p:spPr>
@@ -9616,7 +9624,16 @@
           <a:bodyPr/>
           <a:lstStyle/>
           <a:p>
-            <a:endParaRPr lang="en-US" dirty="0"/>
+            <a:r>
+              <a:rPr lang="en-US" sz="1200" dirty="0"/>
+              <a:t>In 2021, Ontario, Saskatchewan and Quebec accounted for 70% of national mercury emissions</a:t>
+            </a:r>
+          </a:p>
+          <a:p>
+            <a:r>
+              <a:rPr lang="en-US" sz="1200" dirty="0"/>
+              <a:t>Between 1994 and 2021, Manitoba had the largest reduction in emissions with a decrease of 4.3 tonnes</a:t>
+            </a:r>
           </a:p>
         </p:txBody>
       </p:sp>
@@ -9885,7 +9902,7 @@
               <a:pPr/>
               <a:t>15</a:t>
             </a:fld>
-            <a:endParaRPr lang="en-US" altLang="en-US">
+            <a:endParaRPr lang="en-US" altLang="en-US" dirty="0">
               <a:solidFill>
                 <a:srgbClr val="7F7F7F"/>
               </a:solidFill>
@@ -9912,15 +9929,75 @@
         </p:nvSpPr>
         <p:spPr>
           <a:xfrm>
-            <a:off x="457201" y="5305443"/>
-            <a:ext cx="8229600" cy="820720"/>
+            <a:off x="457201" y="5024926"/>
+            <a:ext cx="8229600" cy="1252583"/>
           </a:xfrm>
         </p:spPr>
         <p:txBody>
           <a:bodyPr/>
           <a:lstStyle/>
           <a:p>
-            <a:endParaRPr lang="en-US" dirty="0"/>
+            <a:pPr algn="l">
+              <a:buFont typeface="Arial" panose="020B0604020202020204" pitchFamily="34" charset="0"/>
+              <a:buChar char="•"/>
+            </a:pPr>
+            <a:r>
+              <a:rPr lang="en-CA" sz="1200" b="0" i="0" dirty="0">
+                <a:solidFill>
+                  <a:srgbClr val="333333"/>
+                </a:solidFill>
+                <a:effectLst/>
+              </a:rPr>
+              <a:t>In 2021, 3.2 tonnes of mercury were emitted in Canada</a:t>
+            </a:r>
+          </a:p>
+          <a:p>
+            <a:pPr algn="l">
+              <a:buFont typeface="Arial" panose="020B0604020202020204" pitchFamily="34" charset="0"/>
+              <a:buChar char="•"/>
+            </a:pPr>
+            <a:r>
+              <a:rPr lang="en-CA" sz="1200" b="0" i="0" dirty="0">
+                <a:solidFill>
+                  <a:srgbClr val="333333"/>
+                </a:solidFill>
+                <a:effectLst/>
+              </a:rPr>
+              <a:t>The ore and mineral industries was the highest emitting sector, representing emissions from the non-ferrous refining and smelting industry, the cement and concrete industry, the iron and steel industry, and other ore and mineral industries. This sector emitted 38% (or 1.2 tonnes) of the annual total</a:t>
+            </a:r>
+          </a:p>
+          <a:p>
+            <a:pPr algn="l">
+              <a:buFont typeface="Arial" panose="020B0604020202020204" pitchFamily="34" charset="0"/>
+              <a:buChar char="•"/>
+            </a:pPr>
+            <a:r>
+              <a:rPr lang="en-CA" sz="1200" b="0" i="0" dirty="0">
+                <a:solidFill>
+                  <a:srgbClr val="333333"/>
+                </a:solidFill>
+                <a:effectLst/>
+              </a:rPr>
+              <a:t>Between 1990 and 2021, mercury emissions decreased by 91% (or 30.4 tonnes)</a:t>
+            </a:r>
+          </a:p>
+          <a:p>
+            <a:pPr algn="l">
+              <a:buFont typeface="Arial" panose="020B0604020202020204" pitchFamily="34" charset="0"/>
+              <a:buChar char="•"/>
+            </a:pPr>
+            <a:r>
+              <a:rPr lang="en-CA" sz="1200" b="0" i="0" dirty="0">
+                <a:solidFill>
+                  <a:srgbClr val="333333"/>
+                </a:solidFill>
+                <a:effectLst/>
+              </a:rPr>
+              <a:t>Following a 43% decrease between 1992 and 1993, emissions have generally declined</a:t>
+            </a:r>
+          </a:p>
+          <a:p>
+            <a:endParaRPr lang="en-US" sz="1200" dirty="0"/>
           </a:p>
         </p:txBody>
       </p:sp>
@@ -9942,14 +10019,13 @@
         </p:nvPicPr>
         <p:blipFill>
           <a:blip r:embed="rId2"/>
-          <a:stretch>
-            <a:fillRect/>
-          </a:stretch>
+          <a:srcRect/>
+          <a:stretch/>
         </p:blipFill>
         <p:spPr>
           <a:xfrm>
-            <a:off x="457199" y="1337241"/>
-            <a:ext cx="7936787" cy="3773796"/>
+            <a:off x="521294" y="1474876"/>
+            <a:ext cx="7887926" cy="3452654"/>
           </a:xfrm>
         </p:spPr>
       </p:pic>
@@ -10052,60 +10128,39 @@
               <a:buNone/>
             </a:pPr>
             <a:r>
-              <a:rPr lang="en-US" sz="1000" dirty="0"/>
-              <a:t>In 2021, mercury, lead and cadmium emissions had decreased by 90%, 91% and 94%, respectively from 1990 levels.  They did slightly increase between 2014 to 2017.</a:t>
+              <a:rPr lang="en-US" sz="1200" dirty="0"/>
+              <a:t>In 2021, mercury, lead and cadmium emissions had decreased by 90%, 91% and 94%, respectively from 1990 levels.  The decrease in mercury, lead and cadmium emissions are mostly attributed to a large drop in emissions from the non-ferrous refining and smelting industry. This decline was primarily due to the </a:t>
+            </a:r>
+          </a:p>
+          <a:p>
+            <a:r>
+              <a:rPr lang="en-US" sz="1200" dirty="0"/>
+              <a:t>Implementation of pollution prevention plans</a:t>
+            </a:r>
+          </a:p>
+          <a:p>
+            <a:r>
+              <a:rPr lang="en-US" sz="1200" dirty="0"/>
+              <a:t>The closing of outdated smelters, compliance with federal and provincial legislation, and conformance with guidelines introduced over this period</a:t>
+            </a:r>
+          </a:p>
+          <a:p>
+            <a:r>
+              <a:rPr lang="en-US" sz="1200" dirty="0"/>
+              <a:t>The changes in facility processes and adoption of emission reduction technologies also contributed to the reduction of mercury emissions</a:t>
+            </a:r>
+          </a:p>
+          <a:p>
+            <a:r>
+              <a:rPr lang="en-US" sz="1200" dirty="0"/>
+              <a:t>Changes in lead concentrations in smelter feed and changes in production levels at some facilities</a:t>
             </a:r>
           </a:p>
           <a:p>
             <a:pPr marL="0" indent="0">
               <a:buNone/>
             </a:pPr>
-            <a:r>
-              <a:rPr lang="en-US" sz="1000" dirty="0"/>
-              <a:t>The decrease in mercury, lead and cadmium emissions are mostly attributed to a large drop in emissions from the non-ferrous refining and smelting industry. This decline was primarily due to the </a:t>
-            </a:r>
-          </a:p>
-          <a:p>
-            <a:pPr marL="0" indent="0">
-              <a:buNone/>
-            </a:pPr>
-            <a:r>
-              <a:rPr lang="en-US" sz="1000" dirty="0"/>
-              <a:t>- Implementation of pollution prevention plans</a:t>
-            </a:r>
-          </a:p>
-          <a:p>
-            <a:pPr marL="0" indent="0">
-              <a:buNone/>
-            </a:pPr>
-            <a:r>
-              <a:rPr lang="en-US" sz="1000" dirty="0"/>
-              <a:t>- The closing of outdated smelters, compliance with federal and provincial legislation, and conformance with guidelines introduced over this period</a:t>
-            </a:r>
-          </a:p>
-          <a:p>
-            <a:pPr marL="0" indent="0">
-              <a:buNone/>
-            </a:pPr>
-            <a:r>
-              <a:rPr lang="en-US" sz="1000" dirty="0"/>
-              <a:t>- The changes in facility processes and adoption of emission reduction technologies also contributed to the reduction of mercury emissions</a:t>
-            </a:r>
-          </a:p>
-          <a:p>
-            <a:pPr marL="0" indent="0">
-              <a:buNone/>
-            </a:pPr>
-            <a:r>
-              <a:rPr lang="en-US" sz="1000" dirty="0"/>
-              <a:t>- Changes in lead concentrations in smelter feed and changes in production levels at some facilities</a:t>
-            </a:r>
-          </a:p>
-          <a:p>
-            <a:pPr marL="0" indent="0">
-              <a:buNone/>
-            </a:pPr>
-            <a:endParaRPr lang="en-US" sz="1000" dirty="0"/>
+            <a:endParaRPr lang="en-US" sz="1200" dirty="0"/>
           </a:p>
         </p:txBody>
       </p:sp>
@@ -10276,7 +10331,7 @@
               <a:pPr/>
               <a:t>16</a:t>
             </a:fld>
-            <a:endParaRPr lang="en-US" altLang="en-US">
+            <a:endParaRPr lang="en-US" altLang="en-US" dirty="0">
               <a:solidFill>
                 <a:srgbClr val="7F7F7F"/>
               </a:solidFill>
@@ -10544,7 +10599,7 @@
               <a:pPr/>
               <a:t>17</a:t>
             </a:fld>
-            <a:endParaRPr lang="en-US" altLang="en-US">
+            <a:endParaRPr lang="en-US" altLang="en-US" dirty="0">
               <a:solidFill>
                 <a:srgbClr val="7F7F7F"/>
               </a:solidFill>
@@ -10582,7 +10637,7 @@
           <a:lstStyle/>
           <a:p>
             <a:r>
-              <a:rPr lang="en-US" sz="2000" b="1" dirty="0">
+              <a:rPr lang="en-US" sz="2000" dirty="0">
                 <a:latin typeface="+mn-lt"/>
               </a:rPr>
               <a:t>To much text shown in certain areas</a:t>
@@ -10657,7 +10712,7 @@
             <a:lstStyle/>
             <a:p>
               <a:pPr algn="ctr"/>
-              <a:endParaRPr lang="en-US"/>
+              <a:endParaRPr lang="en-US" dirty="0"/>
             </a:p>
           </p:txBody>
         </p:sp>
@@ -11243,7 +11298,7 @@
             </a:bodyPr>
             <a:lstStyle/>
             <a:p>
-              <a:endParaRPr lang="en-US"/>
+              <a:endParaRPr lang="en-US" dirty="0"/>
             </a:p>
           </p:txBody>
         </p:sp>
@@ -11277,7 +11332,7 @@
           <a:lstStyle/>
           <a:p>
             <a:r>
-              <a:rPr lang="en-US" sz="2000" b="1" dirty="0">
+              <a:rPr lang="en-US" sz="2000" dirty="0">
                 <a:latin typeface="+mn-lt"/>
               </a:rPr>
               <a:t>No data source recommendation</a:t>
@@ -11352,7 +11407,7 @@
             <a:lstStyle/>
             <a:p>
               <a:pPr algn="ctr"/>
-              <a:endParaRPr lang="en-US"/>
+              <a:endParaRPr lang="en-US" dirty="0"/>
             </a:p>
           </p:txBody>
         </p:sp>
@@ -11938,7 +11993,7 @@
             </a:bodyPr>
             <a:lstStyle/>
             <a:p>
-              <a:endParaRPr lang="en-US"/>
+              <a:endParaRPr lang="en-US" dirty="0"/>
             </a:p>
           </p:txBody>
         </p:sp>
@@ -12171,7 +12226,7 @@
               <a:pPr/>
               <a:t>18</a:t>
             </a:fld>
-            <a:endParaRPr lang="en-US" altLang="en-US">
+            <a:endParaRPr lang="en-US" altLang="en-US" dirty="0">
               <a:solidFill>
                 <a:srgbClr val="7F7F7F"/>
               </a:solidFill>
@@ -13299,7 +13354,7 @@
             </a:bodyPr>
             <a:lstStyle/>
             <a:p>
-              <a:endParaRPr lang="en-US"/>
+              <a:endParaRPr lang="en-US" dirty="0"/>
             </a:p>
           </p:txBody>
         </p:sp>
@@ -13708,7 +13763,7 @@
               <a:pPr/>
               <a:t>19</a:t>
             </a:fld>
-            <a:endParaRPr lang="en-US" altLang="en-US">
+            <a:endParaRPr lang="en-US" altLang="en-US" dirty="0">
               <a:solidFill>
                 <a:srgbClr val="7F7F7F"/>
               </a:solidFill>
@@ -14836,7 +14891,7 @@
             </a:bodyPr>
             <a:lstStyle/>
             <a:p>
-              <a:endParaRPr lang="en-US"/>
+              <a:endParaRPr lang="en-US" dirty="0"/>
             </a:p>
           </p:txBody>
         </p:sp>
@@ -15346,7 +15401,7 @@
               <a:pPr/>
               <a:t>2</a:t>
             </a:fld>
-            <a:endParaRPr lang="en-US" altLang="en-US">
+            <a:endParaRPr lang="en-US" altLang="en-US" dirty="0">
               <a:solidFill>
                 <a:srgbClr val="7F7F7F"/>
               </a:solidFill>
@@ -15443,7 +15498,18 @@
               <a:rPr lang="en-CA" sz="2400" dirty="0">
                 <a:effectLst/>
               </a:rPr>
-              <a:t>The OSDP provides access to science, data, publications and information about development activities across the country that can be used to understand the cumulative effects of human activities to support better decisions in the future. It comprises of over 150,000 publicly available records from federal, provincial and territorial as well as regulatory systems.</a:t>
+              <a:t>The OSDP provides access to science, data, publications and information about development activities across the country that can be used to understand the cumulative effects of human activities to support better decisions in the future. </a:t>
+            </a:r>
+          </a:p>
+          <a:p>
+            <a:pPr marL="0" indent="0">
+              <a:buNone/>
+            </a:pPr>
+            <a:r>
+              <a:rPr lang="en-CA" sz="2400" dirty="0">
+                <a:effectLst/>
+              </a:rPr>
+              <a:t>It comprises of over 150,000 publicly available records from federal, provincial and territorial as well as regulatory systems.</a:t>
             </a:r>
           </a:p>
           <a:p>
@@ -15618,7 +15684,7 @@
               <a:pPr/>
               <a:t>3</a:t>
             </a:fld>
-            <a:endParaRPr lang="en-US" altLang="en-US">
+            <a:endParaRPr lang="en-US" altLang="en-US" dirty="0">
               <a:solidFill>
                 <a:srgbClr val="7F7F7F"/>
               </a:solidFill>
@@ -15915,7 +15981,7 @@
               <a:pPr/>
               <a:t>4</a:t>
             </a:fld>
-            <a:endParaRPr lang="en-US" altLang="en-US">
+            <a:endParaRPr lang="en-US" altLang="en-US" dirty="0">
               <a:solidFill>
                 <a:srgbClr val="7F7F7F"/>
               </a:solidFill>
@@ -16188,7 +16254,7 @@
               <a:pPr/>
               <a:t>5</a:t>
             </a:fld>
-            <a:endParaRPr lang="en-US" altLang="en-US">
+            <a:endParaRPr lang="en-US" altLang="en-US" dirty="0">
               <a:solidFill>
                 <a:srgbClr val="7F7F7F"/>
               </a:solidFill>
@@ -17032,7 +17098,7 @@
               <a:pPr/>
               <a:t>6</a:t>
             </a:fld>
-            <a:endParaRPr lang="en-US" altLang="en-US">
+            <a:endParaRPr lang="en-US" altLang="en-US" dirty="0">
               <a:solidFill>
                 <a:srgbClr val="7F7F7F"/>
               </a:solidFill>
@@ -17277,7 +17343,7 @@
               <a:pPr/>
               <a:t>7</a:t>
             </a:fld>
-            <a:endParaRPr lang="en-US" altLang="en-US">
+            <a:endParaRPr lang="en-US" altLang="en-US" dirty="0">
               <a:solidFill>
                 <a:srgbClr val="7F7F7F"/>
               </a:solidFill>
@@ -17345,25 +17411,25 @@
               <a:buNone/>
             </a:pPr>
             <a:r>
-              <a:rPr lang="en-US" sz="1000" dirty="0"/>
+              <a:rPr lang="en-US" sz="1200" dirty="0"/>
               <a:t>In 2021, facility-reported cadmium emissions represent 74% of total national cadmium emissions.</a:t>
             </a:r>
           </a:p>
           <a:p>
             <a:r>
-              <a:rPr lang="en-US" sz="1000" dirty="0"/>
+              <a:rPr lang="en-US" sz="1200" dirty="0"/>
               <a:t>115 facilities reported emissions under 0.5 kilogram (kg)</a:t>
             </a:r>
           </a:p>
           <a:p>
             <a:r>
-              <a:rPr lang="en-US" sz="1000" dirty="0"/>
+              <a:rPr lang="en-US" sz="1200" dirty="0"/>
               <a:t> 115 facilities reported emissions between 0.5 to 20 kg</a:t>
             </a:r>
           </a:p>
           <a:p>
             <a:r>
-              <a:rPr lang="en-US" sz="1000" dirty="0"/>
+              <a:rPr lang="en-US" sz="1200" dirty="0"/>
               <a:t>18 facilities reported emissions over 20 kg, which were located in British Columbia (1), Manitoba (1), New Brunswick (1), Newfoundland and Labrador (1), Ontario (3), Alberta (5), and Quebec (6)</a:t>
             </a:r>
           </a:p>
@@ -17605,7 +17671,7 @@
               <a:pPr/>
               <a:t>8</a:t>
             </a:fld>
-            <a:endParaRPr lang="en-US" altLang="en-US">
+            <a:endParaRPr lang="en-US" altLang="en-US" dirty="0">
               <a:solidFill>
                 <a:srgbClr val="7F7F7F"/>
               </a:solidFill>
@@ -17640,37 +17706,15 @@
           <a:bodyPr/>
           <a:lstStyle/>
           <a:p>
-            <a:pPr marL="0" indent="0">
-              <a:buNone/>
-            </a:pPr>
-            <a:r>
-              <a:rPr lang="en-US" sz="1000" dirty="0"/>
-              <a:t>- In 2021, Ontario and Quebec accounted for 68% (3.1 </a:t>
-            </a:r>
-            <a:r>
-              <a:rPr lang="en-US" sz="1000" dirty="0" err="1"/>
-              <a:t>tonnes</a:t>
-            </a:r>
-            <a:r>
-              <a:rPr lang="en-US" sz="1000" dirty="0"/>
-              <a:t>) of national cadmium emissions</a:t>
-            </a:r>
-          </a:p>
-          <a:p>
-            <a:pPr marL="0" indent="0">
-              <a:buNone/>
-            </a:pPr>
-            <a:r>
-              <a:rPr lang="en-US" sz="1000" dirty="0"/>
-              <a:t>- Between 1994 and 2021, Manitoba had the largest decline in emissions (59.6 </a:t>
-            </a:r>
-            <a:r>
-              <a:rPr lang="en-US" sz="1000" dirty="0" err="1"/>
-              <a:t>tonnes</a:t>
-            </a:r>
-            <a:r>
-              <a:rPr lang="en-US" sz="1000" dirty="0"/>
-              <a:t>)</a:t>
+            <a:r>
+              <a:rPr lang="en-US" sz="1200" dirty="0"/>
+              <a:t>In 2021, Ontario and Quebec accounted for 68% (3.1 tonnes) of national cadmium emissions</a:t>
+            </a:r>
+          </a:p>
+          <a:p>
+            <a:r>
+              <a:rPr lang="en-US" sz="1200" dirty="0"/>
+              <a:t>Between 1994 and 2021, Manitoba had the largest decline in emissions (59.6 tonnes)</a:t>
             </a:r>
           </a:p>
         </p:txBody>
@@ -17940,7 +17984,7 @@
               <a:pPr/>
               <a:t>9</a:t>
             </a:fld>
-            <a:endParaRPr lang="en-US" altLang="en-US">
+            <a:endParaRPr lang="en-US" altLang="en-US" dirty="0">
               <a:solidFill>
                 <a:srgbClr val="7F7F7F"/>
               </a:solidFill>
@@ -17967,71 +18011,35 @@
         </p:nvSpPr>
         <p:spPr>
           <a:xfrm>
-            <a:off x="775530" y="4886699"/>
-            <a:ext cx="7971091" cy="1232090"/>
+            <a:off x="715709" y="4650880"/>
+            <a:ext cx="7971091" cy="1482791"/>
           </a:xfrm>
         </p:spPr>
         <p:txBody>
           <a:bodyPr/>
           <a:lstStyle/>
           <a:p>
-            <a:pPr marL="0" indent="0">
-              <a:buNone/>
-            </a:pPr>
-            <a:r>
-              <a:rPr lang="en-US" sz="1000" dirty="0"/>
-              <a:t>- In 2021, 4.5 </a:t>
-            </a:r>
-            <a:r>
-              <a:rPr lang="en-US" sz="1000" dirty="0" err="1"/>
-              <a:t>tonnes</a:t>
-            </a:r>
-            <a:r>
-              <a:rPr lang="en-US" sz="1000" dirty="0"/>
-              <a:t> of cadmium were emitted in Canada</a:t>
-            </a:r>
-          </a:p>
-          <a:p>
-            <a:pPr marL="0" indent="0">
-              <a:buNone/>
-            </a:pPr>
-            <a:r>
-              <a:rPr lang="en-US" sz="1000" dirty="0"/>
-              <a:t>- Since 1990, the largest source of cadmium emissions has been the non-ferrous refining and smelting industry. It accounted for 49% (or 2.2 </a:t>
-            </a:r>
-            <a:r>
-              <a:rPr lang="en-US" sz="1000" dirty="0" err="1"/>
-              <a:t>tonnes</a:t>
-            </a:r>
-            <a:r>
-              <a:rPr lang="en-US" sz="1000" dirty="0"/>
-              <a:t>) of the national total in 2021</a:t>
-            </a:r>
-          </a:p>
-          <a:p>
-            <a:pPr marL="0" indent="0">
-              <a:buNone/>
-            </a:pPr>
-            <a:r>
-              <a:rPr lang="en-US" sz="1000" dirty="0"/>
-              <a:t>- Between 1990 and 2021, cadmium emissions decreased by 94% (or 76.7 </a:t>
-            </a:r>
-            <a:r>
-              <a:rPr lang="en-US" sz="1000" dirty="0" err="1"/>
-              <a:t>tonnes</a:t>
-            </a:r>
-            <a:r>
-              <a:rPr lang="en-US" sz="1000" dirty="0"/>
-              <a:t>)</a:t>
-            </a:r>
-          </a:p>
-          <a:p>
-            <a:pPr marL="0" indent="0">
-              <a:buNone/>
-            </a:pPr>
-            <a:r>
-              <a:rPr lang="en-US" sz="1000" dirty="0"/>
-              <a:t>- Cadmium emissions fluctuated between 1990 and 2006, but decreased steadily from 2007 onward. Fluctuations in cadmium emissions prior to 2010 are mostly driven by emissions from a non-ferrous refining and smelting facility in Manitoba.</a:t>
+            <a:r>
+              <a:rPr lang="en-US" sz="1200" dirty="0"/>
+              <a:t>In 2021, 4.5 tonnes of cadmium were emitted in Canada</a:t>
+            </a:r>
+          </a:p>
+          <a:p>
+            <a:r>
+              <a:rPr lang="en-US" sz="1200" dirty="0"/>
+              <a:t>Since 1990, the largest source of cadmium emissions has been the non-ferrous refining and smelting industry. It accounted for 49% (or 2.2 tonnes) of the national total in 2021</a:t>
+            </a:r>
+          </a:p>
+          <a:p>
+            <a:r>
+              <a:rPr lang="en-US" sz="1200" dirty="0"/>
+              <a:t>Between 1990 and 2021, cadmium emissions decreased by 94% (or 76.7 tonnes)</a:t>
+            </a:r>
+          </a:p>
+          <a:p>
+            <a:r>
+              <a:rPr lang="en-US" sz="1200" dirty="0"/>
+              <a:t>Cadmium emissions fluctuated between 1990 and 2006, but decreased steadily from 2007 onward. Fluctuations in cadmium emissions prior to 2010 are mostly driven by emissions from a non-ferrous refining and smelting facility in Manitoba.</a:t>
             </a:r>
           </a:p>
         </p:txBody>
@@ -18054,14 +18062,13 @@
         </p:nvPicPr>
         <p:blipFill>
           <a:blip r:embed="rId2"/>
-          <a:stretch>
-            <a:fillRect/>
-          </a:stretch>
+          <a:srcRect/>
+          <a:stretch/>
         </p:blipFill>
         <p:spPr>
           <a:xfrm>
-            <a:off x="775531" y="1364550"/>
-            <a:ext cx="7592938" cy="3324403"/>
+            <a:off x="1243173" y="1427149"/>
+            <a:ext cx="6982322" cy="3057058"/>
           </a:xfrm>
         </p:spPr>
       </p:pic>

--- a/open_data_platform_hackathon/osdp_deck.pptx
+++ b/open_data_platform_hackathon/osdp_deck.pptx
@@ -7793,7 +7793,19 @@
               <a:rPr altLang="en-US" dirty="0">
                 <a:ea typeface="ヒラギノ角ゴ Pro W3"/>
               </a:rPr>
-              <a:t>P Hackathon</a:t>
+              <a:t>P </a:t>
+            </a:r>
+            <a:r>
+              <a:rPr lang="en-US" altLang="en-US" dirty="0">
+                <a:ea typeface="ヒラギノ角ゴ Pro W3"/>
+              </a:rPr>
+              <a:t>UX </a:t>
+            </a:r>
+            <a:r>
+              <a:rPr altLang="en-US" dirty="0">
+                <a:ea typeface="ヒラギノ角ゴ Pro W3"/>
+              </a:rPr>
+              <a:t>Hackathon</a:t>
             </a:r>
           </a:p>
         </p:txBody>
@@ -15181,7 +15193,7 @@
               <a:rPr lang="en-US" altLang="en-US" sz="2400" dirty="0">
                 <a:ea typeface="ヒラギノ角ゴ Pro W3"/>
               </a:rPr>
-              <a:t>Problem</a:t>
+              <a:t>Environmental Problem</a:t>
             </a:r>
           </a:p>
           <a:p>
@@ -16040,7 +16052,7 @@
               <a:rPr lang="en-US" altLang="en-US" dirty="0">
                 <a:ea typeface="ヒラギノ角ゴ Pro W3"/>
               </a:rPr>
-              <a:t>Problem</a:t>
+              <a:t>Environmental Problem</a:t>
             </a:r>
             <a:endParaRPr altLang="en-US" dirty="0">
               <a:ea typeface="ヒラギノ角ゴ Pro W3"/>
